--- a/DC21041.pptx
+++ b/DC21041.pptx
@@ -2,10 +2,15 @@
 <file path=ppt/presentation.xml><?xml version="1.0" encoding="utf-8"?>
 <p:presentation xmlns:a="http://schemas.openxmlformats.org/drawingml/2006/main" xmlns:r="http://schemas.openxmlformats.org/officeDocument/2006/relationships" xmlns:p="http://schemas.openxmlformats.org/presentationml/2006/main" saveSubsetFonts="1" autoCompressPictures="0">
   <p:sldMasterIdLst>
-    <p:sldMasterId id="2147483648" r:id="rId1"/>
+    <p:sldMasterId id="2147483660" r:id="rId1"/>
   </p:sldMasterIdLst>
   <p:sldIdLst>
     <p:sldId id="256" r:id="rId2"/>
+    <p:sldId id="257" r:id="rId3"/>
+    <p:sldId id="258" r:id="rId4"/>
+    <p:sldId id="259" r:id="rId5"/>
+    <p:sldId id="260" r:id="rId6"/>
+    <p:sldId id="261" r:id="rId7"/>
   </p:sldIdLst>
   <p:sldSz cx="12192000" cy="6858000"/>
   <p:notesSz cx="6858000" cy="9144000"/>
@@ -13,7 +18,7 @@
     <a:defPPr>
       <a:defRPr lang="en-US"/>
     </a:defPPr>
-    <a:lvl1pPr marL="0" algn="l" defTabSz="914400" rtl="0" eaLnBrk="1" latinLnBrk="0" hangingPunct="1">
+    <a:lvl1pPr marL="0" algn="l" defTabSz="457200" rtl="0" eaLnBrk="1" latinLnBrk="0" hangingPunct="1">
       <a:defRPr sz="1800" kern="1200">
         <a:solidFill>
           <a:schemeClr val="tx1"/>
@@ -23,7 +28,7 @@
         <a:cs typeface="+mn-cs"/>
       </a:defRPr>
     </a:lvl1pPr>
-    <a:lvl2pPr marL="457200" algn="l" defTabSz="914400" rtl="0" eaLnBrk="1" latinLnBrk="0" hangingPunct="1">
+    <a:lvl2pPr marL="457200" algn="l" defTabSz="457200" rtl="0" eaLnBrk="1" latinLnBrk="0" hangingPunct="1">
       <a:defRPr sz="1800" kern="1200">
         <a:solidFill>
           <a:schemeClr val="tx1"/>
@@ -33,7 +38,7 @@
         <a:cs typeface="+mn-cs"/>
       </a:defRPr>
     </a:lvl2pPr>
-    <a:lvl3pPr marL="914400" algn="l" defTabSz="914400" rtl="0" eaLnBrk="1" latinLnBrk="0" hangingPunct="1">
+    <a:lvl3pPr marL="914400" algn="l" defTabSz="457200" rtl="0" eaLnBrk="1" latinLnBrk="0" hangingPunct="1">
       <a:defRPr sz="1800" kern="1200">
         <a:solidFill>
           <a:schemeClr val="tx1"/>
@@ -43,7 +48,7 @@
         <a:cs typeface="+mn-cs"/>
       </a:defRPr>
     </a:lvl3pPr>
-    <a:lvl4pPr marL="1371600" algn="l" defTabSz="914400" rtl="0" eaLnBrk="1" latinLnBrk="0" hangingPunct="1">
+    <a:lvl4pPr marL="1371600" algn="l" defTabSz="457200" rtl="0" eaLnBrk="1" latinLnBrk="0" hangingPunct="1">
       <a:defRPr sz="1800" kern="1200">
         <a:solidFill>
           <a:schemeClr val="tx1"/>
@@ -53,7 +58,7 @@
         <a:cs typeface="+mn-cs"/>
       </a:defRPr>
     </a:lvl4pPr>
-    <a:lvl5pPr marL="1828800" algn="l" defTabSz="914400" rtl="0" eaLnBrk="1" latinLnBrk="0" hangingPunct="1">
+    <a:lvl5pPr marL="1828800" algn="l" defTabSz="457200" rtl="0" eaLnBrk="1" latinLnBrk="0" hangingPunct="1">
       <a:defRPr sz="1800" kern="1200">
         <a:solidFill>
           <a:schemeClr val="tx1"/>
@@ -63,7 +68,7 @@
         <a:cs typeface="+mn-cs"/>
       </a:defRPr>
     </a:lvl5pPr>
-    <a:lvl6pPr marL="2286000" algn="l" defTabSz="914400" rtl="0" eaLnBrk="1" latinLnBrk="0" hangingPunct="1">
+    <a:lvl6pPr marL="2286000" algn="l" defTabSz="457200" rtl="0" eaLnBrk="1" latinLnBrk="0" hangingPunct="1">
       <a:defRPr sz="1800" kern="1200">
         <a:solidFill>
           <a:schemeClr val="tx1"/>
@@ -73,7 +78,7 @@
         <a:cs typeface="+mn-cs"/>
       </a:defRPr>
     </a:lvl6pPr>
-    <a:lvl7pPr marL="2743200" algn="l" defTabSz="914400" rtl="0" eaLnBrk="1" latinLnBrk="0" hangingPunct="1">
+    <a:lvl7pPr marL="2743200" algn="l" defTabSz="457200" rtl="0" eaLnBrk="1" latinLnBrk="0" hangingPunct="1">
       <a:defRPr sz="1800" kern="1200">
         <a:solidFill>
           <a:schemeClr val="tx1"/>
@@ -83,7 +88,7 @@
         <a:cs typeface="+mn-cs"/>
       </a:defRPr>
     </a:lvl7pPr>
-    <a:lvl8pPr marL="3200400" algn="l" defTabSz="914400" rtl="0" eaLnBrk="1" latinLnBrk="0" hangingPunct="1">
+    <a:lvl8pPr marL="3200400" algn="l" defTabSz="457200" rtl="0" eaLnBrk="1" latinLnBrk="0" hangingPunct="1">
       <a:defRPr sz="1800" kern="1200">
         <a:solidFill>
           <a:schemeClr val="tx1"/>
@@ -93,7 +98,7 @@
         <a:cs typeface="+mn-cs"/>
       </a:defRPr>
     </a:lvl8pPr>
-    <a:lvl9pPr marL="3657600" algn="l" defTabSz="914400" rtl="0" eaLnBrk="1" latinLnBrk="0" hangingPunct="1">
+    <a:lvl9pPr marL="3657600" algn="l" defTabSz="457200" rtl="0" eaLnBrk="1" latinLnBrk="0" hangingPunct="1">
       <a:defRPr sz="1800" kern="1200">
         <a:solidFill>
           <a:schemeClr val="tx1"/>
@@ -126,13 +131,7 @@
       </p:grpSpPr>
       <p:sp>
         <p:nvSpPr>
-          <p:cNvPr id="2" name="Title 1">
-            <a:extLst>
-              <a:ext uri="{FF2B5EF4-FFF2-40B4-BE49-F238E27FC236}">
-                <a16:creationId xmlns:a16="http://schemas.microsoft.com/office/drawing/2014/main" id="{FD0FE771-EA47-1C42-B3AB-6D54F1C20516}"/>
-              </a:ext>
-            </a:extLst>
-          </p:cNvPr>
+          <p:cNvPr id="2" name="Title 1"/>
           <p:cNvSpPr>
             <a:spLocks noGrp="1"/>
           </p:cNvSpPr>
@@ -142,15 +141,17 @@
         </p:nvSpPr>
         <p:spPr>
           <a:xfrm>
-            <a:off x="1524000" y="1122363"/>
-            <a:ext cx="9144000" cy="2387600"/>
-          </a:xfrm>
-        </p:spPr>
-        <p:txBody>
-          <a:bodyPr anchor="b"/>
+            <a:off x="2417779" y="802298"/>
+            <a:ext cx="8637073" cy="2541431"/>
+          </a:xfrm>
+        </p:spPr>
+        <p:txBody>
+          <a:bodyPr bIns="0" anchor="b">
+            <a:normAutofit/>
+          </a:bodyPr>
           <a:lstStyle>
-            <a:lvl1pPr algn="ctr">
-              <a:defRPr sz="6000"/>
+            <a:lvl1pPr algn="l">
+              <a:defRPr sz="6600"/>
             </a:lvl1pPr>
           </a:lstStyle>
           <a:p>
@@ -158,18 +159,13 @@
               <a:rPr lang="en-US"/>
               <a:t>Click to edit Master title style</a:t>
             </a:r>
-          </a:p>
-        </p:txBody>
-      </p:sp>
-      <p:sp>
-        <p:nvSpPr>
-          <p:cNvPr id="3" name="Subtitle 2">
-            <a:extLst>
-              <a:ext uri="{FF2B5EF4-FFF2-40B4-BE49-F238E27FC236}">
-                <a16:creationId xmlns:a16="http://schemas.microsoft.com/office/drawing/2014/main" id="{4F8DE31D-8433-E548-807E-5B8324330662}"/>
-              </a:ext>
-            </a:extLst>
-          </p:cNvPr>
+            <a:endParaRPr lang="en-US" dirty="0"/>
+          </a:p>
+        </p:txBody>
+      </p:sp>
+      <p:sp>
+        <p:nvSpPr>
+          <p:cNvPr id="3" name="Subtitle 2"/>
           <p:cNvSpPr>
             <a:spLocks noGrp="1"/>
           </p:cNvSpPr>
@@ -179,20 +175,26 @@
         </p:nvSpPr>
         <p:spPr>
           <a:xfrm>
-            <a:off x="1524000" y="3602038"/>
-            <a:ext cx="9144000" cy="1655762"/>
-          </a:xfrm>
-        </p:spPr>
-        <p:txBody>
-          <a:bodyPr/>
+            <a:off x="2417780" y="3531204"/>
+            <a:ext cx="8637072" cy="977621"/>
+          </a:xfrm>
+        </p:spPr>
+        <p:txBody>
+          <a:bodyPr tIns="91440" bIns="91440">
+            <a:normAutofit/>
+          </a:bodyPr>
           <a:lstStyle>
-            <a:lvl1pPr marL="0" indent="0" algn="ctr">
-              <a:buNone/>
-              <a:defRPr sz="2400"/>
+            <a:lvl1pPr marL="0" indent="0" algn="l">
+              <a:buNone/>
+              <a:defRPr sz="1800" b="0" cap="all" baseline="0">
+                <a:solidFill>
+                  <a:schemeClr val="tx1"/>
+                </a:solidFill>
+              </a:defRPr>
             </a:lvl1pPr>
             <a:lvl2pPr marL="457200" indent="0" algn="ctr">
               <a:buNone/>
-              <a:defRPr sz="2000"/>
+              <a:defRPr sz="1800"/>
             </a:lvl2pPr>
             <a:lvl3pPr marL="914400" indent="0" algn="ctr">
               <a:buNone/>
@@ -228,18 +230,13 @@
               <a:rPr lang="en-US"/>
               <a:t>Click to edit Master subtitle style</a:t>
             </a:r>
-          </a:p>
-        </p:txBody>
-      </p:sp>
-      <p:sp>
-        <p:nvSpPr>
-          <p:cNvPr id="4" name="Date Placeholder 3">
-            <a:extLst>
-              <a:ext uri="{FF2B5EF4-FFF2-40B4-BE49-F238E27FC236}">
-                <a16:creationId xmlns:a16="http://schemas.microsoft.com/office/drawing/2014/main" id="{F3CBE1C6-D048-9649-B159-B5635064F312}"/>
-              </a:ext>
-            </a:extLst>
-          </p:cNvPr>
+            <a:endParaRPr lang="en-US" dirty="0"/>
+          </a:p>
+        </p:txBody>
+      </p:sp>
+      <p:sp>
+        <p:nvSpPr>
+          <p:cNvPr id="4" name="Date Placeholder 3"/>
           <p:cNvSpPr>
             <a:spLocks noGrp="1"/>
           </p:cNvSpPr>
@@ -262,13 +259,7 @@
       </p:sp>
       <p:sp>
         <p:nvSpPr>
-          <p:cNvPr id="5" name="Footer Placeholder 4">
-            <a:extLst>
-              <a:ext uri="{FF2B5EF4-FFF2-40B4-BE49-F238E27FC236}">
-                <a16:creationId xmlns:a16="http://schemas.microsoft.com/office/drawing/2014/main" id="{CEF979B2-789D-2942-9C0E-C911418C77CC}"/>
-              </a:ext>
-            </a:extLst>
-          </p:cNvPr>
+          <p:cNvPr id="5" name="Footer Placeholder 4"/>
           <p:cNvSpPr>
             <a:spLocks noGrp="1"/>
           </p:cNvSpPr>
@@ -276,7 +267,12 @@
             <p:ph type="ftr" sz="quarter" idx="11"/>
           </p:nvPr>
         </p:nvSpPr>
-        <p:spPr/>
+        <p:spPr>
+          <a:xfrm>
+            <a:off x="2416500" y="329307"/>
+            <a:ext cx="4973915" cy="309201"/>
+          </a:xfrm>
+        </p:spPr>
         <p:txBody>
           <a:bodyPr/>
           <a:lstStyle/>
@@ -287,13 +283,7 @@
       </p:sp>
       <p:sp>
         <p:nvSpPr>
-          <p:cNvPr id="6" name="Slide Number Placeholder 5">
-            <a:extLst>
-              <a:ext uri="{FF2B5EF4-FFF2-40B4-BE49-F238E27FC236}">
-                <a16:creationId xmlns:a16="http://schemas.microsoft.com/office/drawing/2014/main" id="{C99C78F3-24AF-5D4A-9349-EFFCBFE22818}"/>
-              </a:ext>
-            </a:extLst>
-          </p:cNvPr>
+          <p:cNvPr id="6" name="Slide Number Placeholder 5"/>
           <p:cNvSpPr>
             <a:spLocks noGrp="1"/>
           </p:cNvSpPr>
@@ -301,7 +291,12 @@
             <p:ph type="sldNum" sz="quarter" idx="12"/>
           </p:nvPr>
         </p:nvSpPr>
-        <p:spPr/>
+        <p:spPr>
+          <a:xfrm>
+            <a:off x="1437664" y="798973"/>
+            <a:ext cx="811019" cy="503578"/>
+          </a:xfrm>
+        </p:spPr>
         <p:txBody>
           <a:bodyPr/>
           <a:lstStyle/>
@@ -314,10 +309,41 @@
           </a:p>
         </p:txBody>
       </p:sp>
+      <p:cxnSp>
+        <p:nvCxnSpPr>
+          <p:cNvPr id="15" name="Straight Connector 14"/>
+          <p:cNvCxnSpPr/>
+          <p:nvPr/>
+        </p:nvCxnSpPr>
+        <p:spPr>
+          <a:xfrm>
+            <a:off x="2417780" y="3528542"/>
+            <a:ext cx="8637072" cy="0"/>
+          </a:xfrm>
+          <a:prstGeom prst="line">
+            <a:avLst/>
+          </a:prstGeom>
+          <a:ln w="31750"/>
+        </p:spPr>
+        <p:style>
+          <a:lnRef idx="3">
+            <a:schemeClr val="accent1"/>
+          </a:lnRef>
+          <a:fillRef idx="0">
+            <a:schemeClr val="accent1"/>
+          </a:fillRef>
+          <a:effectRef idx="2">
+            <a:schemeClr val="accent1"/>
+          </a:effectRef>
+          <a:fontRef idx="minor">
+            <a:schemeClr val="tx1"/>
+          </a:fontRef>
+        </p:style>
+      </p:cxnSp>
     </p:spTree>
     <p:extLst>
       <p:ext uri="{BB962C8B-B14F-4D97-AF65-F5344CB8AC3E}">
-        <p14:creationId xmlns:p14="http://schemas.microsoft.com/office/powerpoint/2010/main" val="2778004157"/>
+        <p14:creationId xmlns:p14="http://schemas.microsoft.com/office/powerpoint/2010/main" val="1899674169"/>
       </p:ext>
     </p:extLst>
   </p:cSld>
@@ -346,13 +372,7 @@
       </p:grpSpPr>
       <p:sp>
         <p:nvSpPr>
-          <p:cNvPr id="2" name="Title 1">
-            <a:extLst>
-              <a:ext uri="{FF2B5EF4-FFF2-40B4-BE49-F238E27FC236}">
-                <a16:creationId xmlns:a16="http://schemas.microsoft.com/office/drawing/2014/main" id="{64584097-354C-8D4A-84FD-4E828003EB88}"/>
-              </a:ext>
-            </a:extLst>
-          </p:cNvPr>
+          <p:cNvPr id="2" name="Title 1"/>
           <p:cNvSpPr>
             <a:spLocks noGrp="1"/>
           </p:cNvSpPr>
@@ -369,18 +389,13 @@
               <a:rPr lang="en-US"/>
               <a:t>Click to edit Master title style</a:t>
             </a:r>
-          </a:p>
-        </p:txBody>
-      </p:sp>
-      <p:sp>
-        <p:nvSpPr>
-          <p:cNvPr id="3" name="Vertical Text Placeholder 2">
-            <a:extLst>
-              <a:ext uri="{FF2B5EF4-FFF2-40B4-BE49-F238E27FC236}">
-                <a16:creationId xmlns:a16="http://schemas.microsoft.com/office/drawing/2014/main" id="{F757AB89-7F13-B540-9779-C73EFC117016}"/>
-              </a:ext>
-            </a:extLst>
-          </p:cNvPr>
+            <a:endParaRPr lang="en-US" dirty="0"/>
+          </a:p>
+        </p:txBody>
+      </p:sp>
+      <p:sp>
+        <p:nvSpPr>
+          <p:cNvPr id="3" name="Vertical Text Placeholder 2"/>
           <p:cNvSpPr>
             <a:spLocks noGrp="1"/>
           </p:cNvSpPr>
@@ -426,18 +441,13 @@
               <a:rPr lang="en-US"/>
               <a:t>Fifth level</a:t>
             </a:r>
-          </a:p>
-        </p:txBody>
-      </p:sp>
-      <p:sp>
-        <p:nvSpPr>
-          <p:cNvPr id="4" name="Date Placeholder 3">
-            <a:extLst>
-              <a:ext uri="{FF2B5EF4-FFF2-40B4-BE49-F238E27FC236}">
-                <a16:creationId xmlns:a16="http://schemas.microsoft.com/office/drawing/2014/main" id="{6FD0B40A-F67F-2A44-901A-AF2454EEDD42}"/>
-              </a:ext>
-            </a:extLst>
-          </p:cNvPr>
+            <a:endParaRPr lang="en-US" dirty="0"/>
+          </a:p>
+        </p:txBody>
+      </p:sp>
+      <p:sp>
+        <p:nvSpPr>
+          <p:cNvPr id="4" name="Date Placeholder 3"/>
           <p:cNvSpPr>
             <a:spLocks noGrp="1"/>
           </p:cNvSpPr>
@@ -460,13 +470,7 @@
       </p:sp>
       <p:sp>
         <p:nvSpPr>
-          <p:cNvPr id="5" name="Footer Placeholder 4">
-            <a:extLst>
-              <a:ext uri="{FF2B5EF4-FFF2-40B4-BE49-F238E27FC236}">
-                <a16:creationId xmlns:a16="http://schemas.microsoft.com/office/drawing/2014/main" id="{592886F5-93A4-C24F-A724-A9BA3F57B3D3}"/>
-              </a:ext>
-            </a:extLst>
-          </p:cNvPr>
+          <p:cNvPr id="5" name="Footer Placeholder 4"/>
           <p:cNvSpPr>
             <a:spLocks noGrp="1"/>
           </p:cNvSpPr>
@@ -485,13 +489,7 @@
       </p:sp>
       <p:sp>
         <p:nvSpPr>
-          <p:cNvPr id="6" name="Slide Number Placeholder 5">
-            <a:extLst>
-              <a:ext uri="{FF2B5EF4-FFF2-40B4-BE49-F238E27FC236}">
-                <a16:creationId xmlns:a16="http://schemas.microsoft.com/office/drawing/2014/main" id="{C30C6D3B-7B2C-E541-A866-4CE1B5B13347}"/>
-              </a:ext>
-            </a:extLst>
-          </p:cNvPr>
+          <p:cNvPr id="6" name="Slide Number Placeholder 5"/>
           <p:cNvSpPr>
             <a:spLocks noGrp="1"/>
           </p:cNvSpPr>
@@ -512,10 +510,41 @@
           </a:p>
         </p:txBody>
       </p:sp>
+      <p:cxnSp>
+        <p:nvCxnSpPr>
+          <p:cNvPr id="26" name="Straight Connector 25"/>
+          <p:cNvCxnSpPr/>
+          <p:nvPr/>
+        </p:nvCxnSpPr>
+        <p:spPr>
+          <a:xfrm>
+            <a:off x="1453896" y="1847088"/>
+            <a:ext cx="9607522" cy="0"/>
+          </a:xfrm>
+          <a:prstGeom prst="line">
+            <a:avLst/>
+          </a:prstGeom>
+          <a:ln w="31750"/>
+        </p:spPr>
+        <p:style>
+          <a:lnRef idx="3">
+            <a:schemeClr val="accent1"/>
+          </a:lnRef>
+          <a:fillRef idx="0">
+            <a:schemeClr val="accent1"/>
+          </a:fillRef>
+          <a:effectRef idx="2">
+            <a:schemeClr val="accent1"/>
+          </a:effectRef>
+          <a:fontRef idx="minor">
+            <a:schemeClr val="tx1"/>
+          </a:fontRef>
+        </p:style>
+      </p:cxnSp>
     </p:spTree>
     <p:extLst>
       <p:ext uri="{BB962C8B-B14F-4D97-AF65-F5344CB8AC3E}">
-        <p14:creationId xmlns:p14="http://schemas.microsoft.com/office/powerpoint/2010/main" val="1079342742"/>
+        <p14:creationId xmlns:p14="http://schemas.microsoft.com/office/powerpoint/2010/main" val="910561965"/>
       </p:ext>
     </p:extLst>
   </p:cSld>
@@ -544,13 +573,7 @@
       </p:grpSpPr>
       <p:sp>
         <p:nvSpPr>
-          <p:cNvPr id="2" name="Vertical Title 1">
-            <a:extLst>
-              <a:ext uri="{FF2B5EF4-FFF2-40B4-BE49-F238E27FC236}">
-                <a16:creationId xmlns:a16="http://schemas.microsoft.com/office/drawing/2014/main" id="{3FC4C134-AFEF-8E4C-8FA8-775EE3C348FB}"/>
-              </a:ext>
-            </a:extLst>
-          </p:cNvPr>
+          <p:cNvPr id="2" name="Vertical Title 1"/>
           <p:cNvSpPr>
             <a:spLocks noGrp="1"/>
           </p:cNvSpPr>
@@ -560,30 +583,29 @@
         </p:nvSpPr>
         <p:spPr>
           <a:xfrm>
-            <a:off x="8724900" y="365125"/>
-            <a:ext cx="2628900" cy="5811838"/>
+            <a:off x="9439111" y="798973"/>
+            <a:ext cx="1615742" cy="4659889"/>
           </a:xfrm>
         </p:spPr>
         <p:txBody>
           <a:bodyPr vert="eaVert"/>
-          <a:lstStyle/>
+          <a:lstStyle>
+            <a:lvl1pPr algn="l">
+              <a:defRPr/>
+            </a:lvl1pPr>
+          </a:lstStyle>
           <a:p>
             <a:r>
               <a:rPr lang="en-US"/>
               <a:t>Click to edit Master title style</a:t>
             </a:r>
-          </a:p>
-        </p:txBody>
-      </p:sp>
-      <p:sp>
-        <p:nvSpPr>
-          <p:cNvPr id="3" name="Vertical Text Placeholder 2">
-            <a:extLst>
-              <a:ext uri="{FF2B5EF4-FFF2-40B4-BE49-F238E27FC236}">
-                <a16:creationId xmlns:a16="http://schemas.microsoft.com/office/drawing/2014/main" id="{9CE06423-46FB-C443-B0B9-B3B2E11920E7}"/>
-              </a:ext>
-            </a:extLst>
-          </p:cNvPr>
+            <a:endParaRPr lang="en-US" dirty="0"/>
+          </a:p>
+        </p:txBody>
+      </p:sp>
+      <p:sp>
+        <p:nvSpPr>
+          <p:cNvPr id="3" name="Vertical Text Placeholder 2"/>
           <p:cNvSpPr>
             <a:spLocks noGrp="1"/>
           </p:cNvSpPr>
@@ -593,8 +615,8 @@
         </p:nvSpPr>
         <p:spPr>
           <a:xfrm>
-            <a:off x="838200" y="365125"/>
-            <a:ext cx="7734300" cy="5811838"/>
+            <a:off x="1444672" y="798973"/>
+            <a:ext cx="7828830" cy="4659889"/>
           </a:xfrm>
         </p:spPr>
         <p:txBody>
@@ -634,18 +656,13 @@
               <a:rPr lang="en-US"/>
               <a:t>Fifth level</a:t>
             </a:r>
-          </a:p>
-        </p:txBody>
-      </p:sp>
-      <p:sp>
-        <p:nvSpPr>
-          <p:cNvPr id="4" name="Date Placeholder 3">
-            <a:extLst>
-              <a:ext uri="{FF2B5EF4-FFF2-40B4-BE49-F238E27FC236}">
-                <a16:creationId xmlns:a16="http://schemas.microsoft.com/office/drawing/2014/main" id="{89F71DA2-3C77-F041-A3E2-553B6115030E}"/>
-              </a:ext>
-            </a:extLst>
-          </p:cNvPr>
+            <a:endParaRPr lang="en-US" dirty="0"/>
+          </a:p>
+        </p:txBody>
+      </p:sp>
+      <p:sp>
+        <p:nvSpPr>
+          <p:cNvPr id="4" name="Date Placeholder 3"/>
           <p:cNvSpPr>
             <a:spLocks noGrp="1"/>
           </p:cNvSpPr>
@@ -668,13 +685,7 @@
       </p:sp>
       <p:sp>
         <p:nvSpPr>
-          <p:cNvPr id="5" name="Footer Placeholder 4">
-            <a:extLst>
-              <a:ext uri="{FF2B5EF4-FFF2-40B4-BE49-F238E27FC236}">
-                <a16:creationId xmlns:a16="http://schemas.microsoft.com/office/drawing/2014/main" id="{07B3FB75-0A74-404D-92FE-D4FDDF3DD50E}"/>
-              </a:ext>
-            </a:extLst>
-          </p:cNvPr>
+          <p:cNvPr id="5" name="Footer Placeholder 4"/>
           <p:cNvSpPr>
             <a:spLocks noGrp="1"/>
           </p:cNvSpPr>
@@ -693,13 +704,7 @@
       </p:sp>
       <p:sp>
         <p:nvSpPr>
-          <p:cNvPr id="6" name="Slide Number Placeholder 5">
-            <a:extLst>
-              <a:ext uri="{FF2B5EF4-FFF2-40B4-BE49-F238E27FC236}">
-                <a16:creationId xmlns:a16="http://schemas.microsoft.com/office/drawing/2014/main" id="{615A73DF-B679-4B41-B8FB-1798F06FCD15}"/>
-              </a:ext>
-            </a:extLst>
-          </p:cNvPr>
+          <p:cNvPr id="6" name="Slide Number Placeholder 5"/>
           <p:cNvSpPr>
             <a:spLocks noGrp="1"/>
           </p:cNvSpPr>
@@ -720,10 +725,41 @@
           </a:p>
         </p:txBody>
       </p:sp>
+      <p:cxnSp>
+        <p:nvCxnSpPr>
+          <p:cNvPr id="15" name="Straight Connector 14"/>
+          <p:cNvCxnSpPr/>
+          <p:nvPr/>
+        </p:nvCxnSpPr>
+        <p:spPr>
+          <a:xfrm>
+            <a:off x="9439111" y="798973"/>
+            <a:ext cx="0" cy="4659889"/>
+          </a:xfrm>
+          <a:prstGeom prst="line">
+            <a:avLst/>
+          </a:prstGeom>
+          <a:ln w="31750"/>
+        </p:spPr>
+        <p:style>
+          <a:lnRef idx="3">
+            <a:schemeClr val="accent1"/>
+          </a:lnRef>
+          <a:fillRef idx="0">
+            <a:schemeClr val="accent1"/>
+          </a:fillRef>
+          <a:effectRef idx="2">
+            <a:schemeClr val="accent1"/>
+          </a:effectRef>
+          <a:fontRef idx="minor">
+            <a:schemeClr val="tx1"/>
+          </a:fontRef>
+        </p:style>
+      </p:cxnSp>
     </p:spTree>
     <p:extLst>
       <p:ext uri="{BB962C8B-B14F-4D97-AF65-F5344CB8AC3E}">
-        <p14:creationId xmlns:p14="http://schemas.microsoft.com/office/powerpoint/2010/main" val="549067132"/>
+        <p14:creationId xmlns:p14="http://schemas.microsoft.com/office/powerpoint/2010/main" val="1779606508"/>
       </p:ext>
     </p:extLst>
   </p:cSld>
@@ -752,13 +788,7 @@
       </p:grpSpPr>
       <p:sp>
         <p:nvSpPr>
-          <p:cNvPr id="2" name="Title 1">
-            <a:extLst>
-              <a:ext uri="{FF2B5EF4-FFF2-40B4-BE49-F238E27FC236}">
-                <a16:creationId xmlns:a16="http://schemas.microsoft.com/office/drawing/2014/main" id="{D6BB2CDE-0C3F-4E48-8215-F2D6B127A1AB}"/>
-              </a:ext>
-            </a:extLst>
-          </p:cNvPr>
+          <p:cNvPr id="2" name="Title 1"/>
           <p:cNvSpPr>
             <a:spLocks noGrp="1"/>
           </p:cNvSpPr>
@@ -775,18 +805,13 @@
               <a:rPr lang="en-US"/>
               <a:t>Click to edit Master title style</a:t>
             </a:r>
-          </a:p>
-        </p:txBody>
-      </p:sp>
-      <p:sp>
-        <p:nvSpPr>
-          <p:cNvPr id="3" name="Content Placeholder 2">
-            <a:extLst>
-              <a:ext uri="{FF2B5EF4-FFF2-40B4-BE49-F238E27FC236}">
-                <a16:creationId xmlns:a16="http://schemas.microsoft.com/office/drawing/2014/main" id="{CD66D1BC-64B8-8F42-84CC-CA927E54C269}"/>
-              </a:ext>
-            </a:extLst>
-          </p:cNvPr>
+            <a:endParaRPr lang="en-US" dirty="0"/>
+          </a:p>
+        </p:txBody>
+      </p:sp>
+      <p:sp>
+        <p:nvSpPr>
+          <p:cNvPr id="3" name="Content Placeholder 2"/>
           <p:cNvSpPr>
             <a:spLocks noGrp="1"/>
           </p:cNvSpPr>
@@ -796,7 +821,7 @@
         </p:nvSpPr>
         <p:spPr/>
         <p:txBody>
-          <a:bodyPr/>
+          <a:bodyPr anchor="t"/>
           <a:lstStyle/>
           <a:p>
             <a:pPr lvl="0"/>
@@ -832,18 +857,13 @@
               <a:rPr lang="en-US"/>
               <a:t>Fifth level</a:t>
             </a:r>
-          </a:p>
-        </p:txBody>
-      </p:sp>
-      <p:sp>
-        <p:nvSpPr>
-          <p:cNvPr id="4" name="Date Placeholder 3">
-            <a:extLst>
-              <a:ext uri="{FF2B5EF4-FFF2-40B4-BE49-F238E27FC236}">
-                <a16:creationId xmlns:a16="http://schemas.microsoft.com/office/drawing/2014/main" id="{2BC68509-BD3F-114C-B1D1-75BC2D8573B0}"/>
-              </a:ext>
-            </a:extLst>
-          </p:cNvPr>
+            <a:endParaRPr lang="en-US" dirty="0"/>
+          </a:p>
+        </p:txBody>
+      </p:sp>
+      <p:sp>
+        <p:nvSpPr>
+          <p:cNvPr id="4" name="Date Placeholder 3"/>
           <p:cNvSpPr>
             <a:spLocks noGrp="1"/>
           </p:cNvSpPr>
@@ -866,13 +886,7 @@
       </p:sp>
       <p:sp>
         <p:nvSpPr>
-          <p:cNvPr id="5" name="Footer Placeholder 4">
-            <a:extLst>
-              <a:ext uri="{FF2B5EF4-FFF2-40B4-BE49-F238E27FC236}">
-                <a16:creationId xmlns:a16="http://schemas.microsoft.com/office/drawing/2014/main" id="{0790A9C2-5F78-E140-9423-9CDDC1EF6EA6}"/>
-              </a:ext>
-            </a:extLst>
-          </p:cNvPr>
+          <p:cNvPr id="5" name="Footer Placeholder 4"/>
           <p:cNvSpPr>
             <a:spLocks noGrp="1"/>
           </p:cNvSpPr>
@@ -891,13 +905,7 @@
       </p:sp>
       <p:sp>
         <p:nvSpPr>
-          <p:cNvPr id="6" name="Slide Number Placeholder 5">
-            <a:extLst>
-              <a:ext uri="{FF2B5EF4-FFF2-40B4-BE49-F238E27FC236}">
-                <a16:creationId xmlns:a16="http://schemas.microsoft.com/office/drawing/2014/main" id="{FDA1C14D-AC6E-8944-ACB5-D6B79BDB9DC2}"/>
-              </a:ext>
-            </a:extLst>
-          </p:cNvPr>
+          <p:cNvPr id="6" name="Slide Number Placeholder 5"/>
           <p:cNvSpPr>
             <a:spLocks noGrp="1"/>
           </p:cNvSpPr>
@@ -918,10 +926,41 @@
           </a:p>
         </p:txBody>
       </p:sp>
+      <p:cxnSp>
+        <p:nvCxnSpPr>
+          <p:cNvPr id="33" name="Straight Connector 32"/>
+          <p:cNvCxnSpPr/>
+          <p:nvPr/>
+        </p:nvCxnSpPr>
+        <p:spPr>
+          <a:xfrm>
+            <a:off x="1453896" y="1847088"/>
+            <a:ext cx="9607522" cy="0"/>
+          </a:xfrm>
+          <a:prstGeom prst="line">
+            <a:avLst/>
+          </a:prstGeom>
+          <a:ln w="31750"/>
+        </p:spPr>
+        <p:style>
+          <a:lnRef idx="3">
+            <a:schemeClr val="accent1"/>
+          </a:lnRef>
+          <a:fillRef idx="0">
+            <a:schemeClr val="accent1"/>
+          </a:fillRef>
+          <a:effectRef idx="2">
+            <a:schemeClr val="accent1"/>
+          </a:effectRef>
+          <a:fontRef idx="minor">
+            <a:schemeClr val="tx1"/>
+          </a:fontRef>
+        </p:style>
+      </p:cxnSp>
     </p:spTree>
     <p:extLst>
       <p:ext uri="{BB962C8B-B14F-4D97-AF65-F5344CB8AC3E}">
-        <p14:creationId xmlns:p14="http://schemas.microsoft.com/office/powerpoint/2010/main" val="3095276408"/>
+        <p14:creationId xmlns:p14="http://schemas.microsoft.com/office/powerpoint/2010/main" val="2042637759"/>
       </p:ext>
     </p:extLst>
   </p:cSld>
@@ -950,13 +989,7 @@
       </p:grpSpPr>
       <p:sp>
         <p:nvSpPr>
-          <p:cNvPr id="2" name="Title 1">
-            <a:extLst>
-              <a:ext uri="{FF2B5EF4-FFF2-40B4-BE49-F238E27FC236}">
-                <a16:creationId xmlns:a16="http://schemas.microsoft.com/office/drawing/2014/main" id="{B54CFD44-9EDC-8849-905C-F4C5747C9ECA}"/>
-              </a:ext>
-            </a:extLst>
-          </p:cNvPr>
+          <p:cNvPr id="2" name="Title 1"/>
           <p:cNvSpPr>
             <a:spLocks noGrp="1"/>
           </p:cNvSpPr>
@@ -966,15 +999,17 @@
         </p:nvSpPr>
         <p:spPr>
           <a:xfrm>
-            <a:off x="831850" y="1709738"/>
-            <a:ext cx="10515600" cy="2852737"/>
-          </a:xfrm>
-        </p:spPr>
-        <p:txBody>
-          <a:bodyPr anchor="b"/>
+            <a:off x="1454239" y="1756130"/>
+            <a:ext cx="8643154" cy="1887950"/>
+          </a:xfrm>
+        </p:spPr>
+        <p:txBody>
+          <a:bodyPr anchor="b">
+            <a:normAutofit/>
+          </a:bodyPr>
           <a:lstStyle>
-            <a:lvl1pPr>
-              <a:defRPr sz="6000"/>
+            <a:lvl1pPr algn="l">
+              <a:defRPr sz="3600"/>
             </a:lvl1pPr>
           </a:lstStyle>
           <a:p>
@@ -982,18 +1017,13 @@
               <a:rPr lang="en-US"/>
               <a:t>Click to edit Master title style</a:t>
             </a:r>
-          </a:p>
-        </p:txBody>
-      </p:sp>
-      <p:sp>
-        <p:nvSpPr>
-          <p:cNvPr id="3" name="Text Placeholder 2">
-            <a:extLst>
-              <a:ext uri="{FF2B5EF4-FFF2-40B4-BE49-F238E27FC236}">
-                <a16:creationId xmlns:a16="http://schemas.microsoft.com/office/drawing/2014/main" id="{6F6B90A8-2D27-CD43-8D29-87335AABB9BD}"/>
-              </a:ext>
-            </a:extLst>
-          </p:cNvPr>
+            <a:endParaRPr lang="en-US" dirty="0"/>
+          </a:p>
+        </p:txBody>
+      </p:sp>
+      <p:sp>
+        <p:nvSpPr>
+          <p:cNvPr id="3" name="Text Placeholder 2"/>
           <p:cNvSpPr>
             <a:spLocks noGrp="1"/>
           </p:cNvSpPr>
@@ -1003,26 +1033,26 @@
         </p:nvSpPr>
         <p:spPr>
           <a:xfrm>
-            <a:off x="831850" y="4589463"/>
-            <a:ext cx="10515600" cy="1500187"/>
-          </a:xfrm>
-        </p:spPr>
-        <p:txBody>
-          <a:bodyPr/>
+            <a:off x="1454239" y="3806195"/>
+            <a:ext cx="8630446" cy="1012929"/>
+          </a:xfrm>
+        </p:spPr>
+        <p:txBody>
+          <a:bodyPr tIns="91440">
+            <a:normAutofit/>
+          </a:bodyPr>
           <a:lstStyle>
-            <a:lvl1pPr marL="0" indent="0">
-              <a:buNone/>
-              <a:defRPr sz="2400">
+            <a:lvl1pPr marL="0" indent="0" algn="l">
+              <a:buNone/>
+              <a:defRPr sz="1800">
                 <a:solidFill>
-                  <a:schemeClr val="tx1">
-                    <a:tint val="75000"/>
-                  </a:schemeClr>
+                  <a:schemeClr val="tx1"/>
                 </a:solidFill>
               </a:defRPr>
             </a:lvl1pPr>
             <a:lvl2pPr marL="457200" indent="0">
               <a:buNone/>
-              <a:defRPr sz="2000">
+              <a:defRPr sz="1800">
                 <a:solidFill>
                   <a:schemeClr val="tx1">
                     <a:tint val="75000"/>
@@ -1112,13 +1142,7 @@
       </p:sp>
       <p:sp>
         <p:nvSpPr>
-          <p:cNvPr id="4" name="Date Placeholder 3">
-            <a:extLst>
-              <a:ext uri="{FF2B5EF4-FFF2-40B4-BE49-F238E27FC236}">
-                <a16:creationId xmlns:a16="http://schemas.microsoft.com/office/drawing/2014/main" id="{DC0D8B7A-57C2-9547-8BD9-C61E6F9C46DB}"/>
-              </a:ext>
-            </a:extLst>
-          </p:cNvPr>
+          <p:cNvPr id="4" name="Date Placeholder 3"/>
           <p:cNvSpPr>
             <a:spLocks noGrp="1"/>
           </p:cNvSpPr>
@@ -1141,13 +1165,7 @@
       </p:sp>
       <p:sp>
         <p:nvSpPr>
-          <p:cNvPr id="5" name="Footer Placeholder 4">
-            <a:extLst>
-              <a:ext uri="{FF2B5EF4-FFF2-40B4-BE49-F238E27FC236}">
-                <a16:creationId xmlns:a16="http://schemas.microsoft.com/office/drawing/2014/main" id="{368C9A9E-7AA1-B749-BC69-409D7C9365F6}"/>
-              </a:ext>
-            </a:extLst>
-          </p:cNvPr>
+          <p:cNvPr id="5" name="Footer Placeholder 4"/>
           <p:cNvSpPr>
             <a:spLocks noGrp="1"/>
           </p:cNvSpPr>
@@ -1166,13 +1184,7 @@
       </p:sp>
       <p:sp>
         <p:nvSpPr>
-          <p:cNvPr id="6" name="Slide Number Placeholder 5">
-            <a:extLst>
-              <a:ext uri="{FF2B5EF4-FFF2-40B4-BE49-F238E27FC236}">
-                <a16:creationId xmlns:a16="http://schemas.microsoft.com/office/drawing/2014/main" id="{11B8EE05-B519-BA47-876E-F92F93041B61}"/>
-              </a:ext>
-            </a:extLst>
-          </p:cNvPr>
+          <p:cNvPr id="6" name="Slide Number Placeholder 5"/>
           <p:cNvSpPr>
             <a:spLocks noGrp="1"/>
           </p:cNvSpPr>
@@ -1193,10 +1205,41 @@
           </a:p>
         </p:txBody>
       </p:sp>
+      <p:cxnSp>
+        <p:nvCxnSpPr>
+          <p:cNvPr id="15" name="Straight Connector 14"/>
+          <p:cNvCxnSpPr/>
+          <p:nvPr/>
+        </p:nvCxnSpPr>
+        <p:spPr>
+          <a:xfrm>
+            <a:off x="1454239" y="3804985"/>
+            <a:ext cx="8630446" cy="0"/>
+          </a:xfrm>
+          <a:prstGeom prst="line">
+            <a:avLst/>
+          </a:prstGeom>
+          <a:ln w="31750"/>
+        </p:spPr>
+        <p:style>
+          <a:lnRef idx="3">
+            <a:schemeClr val="accent1"/>
+          </a:lnRef>
+          <a:fillRef idx="0">
+            <a:schemeClr val="accent1"/>
+          </a:fillRef>
+          <a:effectRef idx="2">
+            <a:schemeClr val="accent1"/>
+          </a:effectRef>
+          <a:fontRef idx="minor">
+            <a:schemeClr val="tx1"/>
+          </a:fontRef>
+        </p:style>
+      </p:cxnSp>
     </p:spTree>
     <p:extLst>
       <p:ext uri="{BB962C8B-B14F-4D97-AF65-F5344CB8AC3E}">
-        <p14:creationId xmlns:p14="http://schemas.microsoft.com/office/powerpoint/2010/main" val="3426278380"/>
+        <p14:creationId xmlns:p14="http://schemas.microsoft.com/office/powerpoint/2010/main" val="1436199160"/>
       </p:ext>
     </p:extLst>
   </p:cSld>
@@ -1225,13 +1268,7 @@
       </p:grpSpPr>
       <p:sp>
         <p:nvSpPr>
-          <p:cNvPr id="2" name="Title 1">
-            <a:extLst>
-              <a:ext uri="{FF2B5EF4-FFF2-40B4-BE49-F238E27FC236}">
-                <a16:creationId xmlns:a16="http://schemas.microsoft.com/office/drawing/2014/main" id="{9E30C617-70AC-DD43-8221-96299ACEB03E}"/>
-              </a:ext>
-            </a:extLst>
-          </p:cNvPr>
+          <p:cNvPr id="2" name="Title 1"/>
           <p:cNvSpPr>
             <a:spLocks noGrp="1"/>
           </p:cNvSpPr>
@@ -1239,7 +1276,12 @@
             <p:ph type="title"/>
           </p:nvPr>
         </p:nvSpPr>
-        <p:spPr/>
+        <p:spPr>
+          <a:xfrm>
+            <a:off x="1449217" y="804889"/>
+            <a:ext cx="9605635" cy="1059305"/>
+          </a:xfrm>
+        </p:spPr>
         <p:txBody>
           <a:bodyPr/>
           <a:lstStyle/>
@@ -1248,18 +1290,13 @@
               <a:rPr lang="en-US"/>
               <a:t>Click to edit Master title style</a:t>
             </a:r>
-          </a:p>
-        </p:txBody>
-      </p:sp>
-      <p:sp>
-        <p:nvSpPr>
-          <p:cNvPr id="3" name="Content Placeholder 2">
-            <a:extLst>
-              <a:ext uri="{FF2B5EF4-FFF2-40B4-BE49-F238E27FC236}">
-                <a16:creationId xmlns:a16="http://schemas.microsoft.com/office/drawing/2014/main" id="{00DF06BF-3697-824B-A4C8-5CE50F082BE3}"/>
-              </a:ext>
-            </a:extLst>
-          </p:cNvPr>
+            <a:endParaRPr lang="en-US" dirty="0"/>
+          </a:p>
+        </p:txBody>
+      </p:sp>
+      <p:sp>
+        <p:nvSpPr>
+          <p:cNvPr id="3" name="Content Placeholder 2"/>
           <p:cNvSpPr>
             <a:spLocks noGrp="1"/>
           </p:cNvSpPr>
@@ -1269,8 +1306,8 @@
         </p:nvSpPr>
         <p:spPr>
           <a:xfrm>
-            <a:off x="838200" y="1825625"/>
-            <a:ext cx="5181600" cy="4351338"/>
+            <a:off x="1447331" y="2010878"/>
+            <a:ext cx="4645152" cy="3448595"/>
           </a:xfrm>
         </p:spPr>
         <p:txBody>
@@ -1310,18 +1347,13 @@
               <a:rPr lang="en-US"/>
               <a:t>Fifth level</a:t>
             </a:r>
-          </a:p>
-        </p:txBody>
-      </p:sp>
-      <p:sp>
-        <p:nvSpPr>
-          <p:cNvPr id="4" name="Content Placeholder 3">
-            <a:extLst>
-              <a:ext uri="{FF2B5EF4-FFF2-40B4-BE49-F238E27FC236}">
-                <a16:creationId xmlns:a16="http://schemas.microsoft.com/office/drawing/2014/main" id="{FCFE24E2-C44B-B84F-B2FF-352B8E4E6C18}"/>
-              </a:ext>
-            </a:extLst>
-          </p:cNvPr>
+            <a:endParaRPr lang="en-US" dirty="0"/>
+          </a:p>
+        </p:txBody>
+      </p:sp>
+      <p:sp>
+        <p:nvSpPr>
+          <p:cNvPr id="4" name="Content Placeholder 3"/>
           <p:cNvSpPr>
             <a:spLocks noGrp="1"/>
           </p:cNvSpPr>
@@ -1331,8 +1363,8 @@
         </p:nvSpPr>
         <p:spPr>
           <a:xfrm>
-            <a:off x="6172200" y="1825625"/>
-            <a:ext cx="5181600" cy="4351338"/>
+            <a:off x="6413771" y="2017343"/>
+            <a:ext cx="4645152" cy="3441520"/>
           </a:xfrm>
         </p:spPr>
         <p:txBody>
@@ -1372,18 +1404,13 @@
               <a:rPr lang="en-US"/>
               <a:t>Fifth level</a:t>
             </a:r>
-          </a:p>
-        </p:txBody>
-      </p:sp>
-      <p:sp>
-        <p:nvSpPr>
-          <p:cNvPr id="5" name="Date Placeholder 4">
-            <a:extLst>
-              <a:ext uri="{FF2B5EF4-FFF2-40B4-BE49-F238E27FC236}">
-                <a16:creationId xmlns:a16="http://schemas.microsoft.com/office/drawing/2014/main" id="{76C5015D-1F9D-3E46-9FF0-A5D2BA263A9C}"/>
-              </a:ext>
-            </a:extLst>
-          </p:cNvPr>
+            <a:endParaRPr lang="en-US" dirty="0"/>
+          </a:p>
+        </p:txBody>
+      </p:sp>
+      <p:sp>
+        <p:nvSpPr>
+          <p:cNvPr id="5" name="Date Placeholder 4"/>
           <p:cNvSpPr>
             <a:spLocks noGrp="1"/>
           </p:cNvSpPr>
@@ -1406,13 +1433,7 @@
       </p:sp>
       <p:sp>
         <p:nvSpPr>
-          <p:cNvPr id="6" name="Footer Placeholder 5">
-            <a:extLst>
-              <a:ext uri="{FF2B5EF4-FFF2-40B4-BE49-F238E27FC236}">
-                <a16:creationId xmlns:a16="http://schemas.microsoft.com/office/drawing/2014/main" id="{4BD7B731-6AA4-EC45-8168-2D5C37D557B4}"/>
-              </a:ext>
-            </a:extLst>
-          </p:cNvPr>
+          <p:cNvPr id="6" name="Footer Placeholder 5"/>
           <p:cNvSpPr>
             <a:spLocks noGrp="1"/>
           </p:cNvSpPr>
@@ -1431,13 +1452,7 @@
       </p:sp>
       <p:sp>
         <p:nvSpPr>
-          <p:cNvPr id="7" name="Slide Number Placeholder 6">
-            <a:extLst>
-              <a:ext uri="{FF2B5EF4-FFF2-40B4-BE49-F238E27FC236}">
-                <a16:creationId xmlns:a16="http://schemas.microsoft.com/office/drawing/2014/main" id="{13E6082A-487D-6545-BE71-B7B976DF9645}"/>
-              </a:ext>
-            </a:extLst>
-          </p:cNvPr>
+          <p:cNvPr id="7" name="Slide Number Placeholder 6"/>
           <p:cNvSpPr>
             <a:spLocks noGrp="1"/>
           </p:cNvSpPr>
@@ -1458,10 +1473,41 @@
           </a:p>
         </p:txBody>
       </p:sp>
+      <p:cxnSp>
+        <p:nvCxnSpPr>
+          <p:cNvPr id="35" name="Straight Connector 34"/>
+          <p:cNvCxnSpPr/>
+          <p:nvPr/>
+        </p:nvCxnSpPr>
+        <p:spPr>
+          <a:xfrm>
+            <a:off x="1453896" y="1847088"/>
+            <a:ext cx="9607522" cy="0"/>
+          </a:xfrm>
+          <a:prstGeom prst="line">
+            <a:avLst/>
+          </a:prstGeom>
+          <a:ln w="31750"/>
+        </p:spPr>
+        <p:style>
+          <a:lnRef idx="3">
+            <a:schemeClr val="accent1"/>
+          </a:lnRef>
+          <a:fillRef idx="0">
+            <a:schemeClr val="accent1"/>
+          </a:fillRef>
+          <a:effectRef idx="2">
+            <a:schemeClr val="accent1"/>
+          </a:effectRef>
+          <a:fontRef idx="minor">
+            <a:schemeClr val="tx1"/>
+          </a:fontRef>
+        </p:style>
+      </p:cxnSp>
     </p:spTree>
     <p:extLst>
       <p:ext uri="{BB962C8B-B14F-4D97-AF65-F5344CB8AC3E}">
-        <p14:creationId xmlns:p14="http://schemas.microsoft.com/office/powerpoint/2010/main" val="1665764790"/>
+        <p14:creationId xmlns:p14="http://schemas.microsoft.com/office/powerpoint/2010/main" val="2849245158"/>
       </p:ext>
     </p:extLst>
   </p:cSld>
@@ -1490,13 +1536,7 @@
       </p:grpSpPr>
       <p:sp>
         <p:nvSpPr>
-          <p:cNvPr id="2" name="Title 1">
-            <a:extLst>
-              <a:ext uri="{FF2B5EF4-FFF2-40B4-BE49-F238E27FC236}">
-                <a16:creationId xmlns:a16="http://schemas.microsoft.com/office/drawing/2014/main" id="{2E533B2A-CD69-2B4B-86E7-8C924306F619}"/>
-              </a:ext>
-            </a:extLst>
-          </p:cNvPr>
+          <p:cNvPr id="2" name="Title 1"/>
           <p:cNvSpPr>
             <a:spLocks noGrp="1"/>
           </p:cNvSpPr>
@@ -1506,8 +1546,8 @@
         </p:nvSpPr>
         <p:spPr>
           <a:xfrm>
-            <a:off x="839788" y="365125"/>
-            <a:ext cx="10515600" cy="1325563"/>
+            <a:off x="1447191" y="804163"/>
+            <a:ext cx="9607661" cy="1056319"/>
           </a:xfrm>
         </p:spPr>
         <p:txBody>
@@ -1518,18 +1558,13 @@
               <a:rPr lang="en-US"/>
               <a:t>Click to edit Master title style</a:t>
             </a:r>
-          </a:p>
-        </p:txBody>
-      </p:sp>
-      <p:sp>
-        <p:nvSpPr>
-          <p:cNvPr id="3" name="Text Placeholder 2">
-            <a:extLst>
-              <a:ext uri="{FF2B5EF4-FFF2-40B4-BE49-F238E27FC236}">
-                <a16:creationId xmlns:a16="http://schemas.microsoft.com/office/drawing/2014/main" id="{F5253B94-C9F4-4D41-B6DB-D5E9F8EAA53E}"/>
-              </a:ext>
-            </a:extLst>
-          </p:cNvPr>
+            <a:endParaRPr lang="en-US" dirty="0"/>
+          </a:p>
+        </p:txBody>
+      </p:sp>
+      <p:sp>
+        <p:nvSpPr>
+          <p:cNvPr id="3" name="Text Placeholder 2"/>
           <p:cNvSpPr>
             <a:spLocks noGrp="1"/>
           </p:cNvSpPr>
@@ -1539,16 +1574,25 @@
         </p:nvSpPr>
         <p:spPr>
           <a:xfrm>
-            <a:off x="839788" y="1681163"/>
-            <a:ext cx="5157787" cy="823912"/>
-          </a:xfrm>
-        </p:spPr>
-        <p:txBody>
-          <a:bodyPr anchor="b"/>
+            <a:off x="1447191" y="2019549"/>
+            <a:ext cx="4645152" cy="801943"/>
+          </a:xfrm>
+        </p:spPr>
+        <p:txBody>
+          <a:bodyPr anchor="b">
+            <a:normAutofit/>
+          </a:bodyPr>
           <a:lstStyle>
             <a:lvl1pPr marL="0" indent="0">
-              <a:buNone/>
-              <a:defRPr sz="2400" b="1"/>
+              <a:lnSpc>
+                <a:spcPct val="100000"/>
+              </a:lnSpc>
+              <a:buNone/>
+              <a:defRPr sz="2200" b="0" cap="all" baseline="0">
+                <a:solidFill>
+                  <a:schemeClr val="accent1"/>
+                </a:solidFill>
+              </a:defRPr>
             </a:lvl1pPr>
             <a:lvl2pPr marL="457200" indent="0">
               <a:buNone/>
@@ -1594,13 +1638,7 @@
       </p:sp>
       <p:sp>
         <p:nvSpPr>
-          <p:cNvPr id="4" name="Content Placeholder 3">
-            <a:extLst>
-              <a:ext uri="{FF2B5EF4-FFF2-40B4-BE49-F238E27FC236}">
-                <a16:creationId xmlns:a16="http://schemas.microsoft.com/office/drawing/2014/main" id="{2F630D7D-A5E7-5540-B596-081C820EFDF5}"/>
-              </a:ext>
-            </a:extLst>
-          </p:cNvPr>
+          <p:cNvPr id="4" name="Content Placeholder 3"/>
           <p:cNvSpPr>
             <a:spLocks noGrp="1"/>
           </p:cNvSpPr>
@@ -1610,8 +1648,8 @@
         </p:nvSpPr>
         <p:spPr>
           <a:xfrm>
-            <a:off x="839788" y="2505075"/>
-            <a:ext cx="5157787" cy="3684588"/>
+            <a:off x="1447191" y="2824269"/>
+            <a:ext cx="4645152" cy="2644457"/>
           </a:xfrm>
         </p:spPr>
         <p:txBody>
@@ -1651,18 +1689,13 @@
               <a:rPr lang="en-US"/>
               <a:t>Fifth level</a:t>
             </a:r>
-          </a:p>
-        </p:txBody>
-      </p:sp>
-      <p:sp>
-        <p:nvSpPr>
-          <p:cNvPr id="5" name="Text Placeholder 4">
-            <a:extLst>
-              <a:ext uri="{FF2B5EF4-FFF2-40B4-BE49-F238E27FC236}">
-                <a16:creationId xmlns:a16="http://schemas.microsoft.com/office/drawing/2014/main" id="{D97EDA9D-0785-644D-B353-8D6B4FEB9E27}"/>
-              </a:ext>
-            </a:extLst>
-          </p:cNvPr>
+            <a:endParaRPr lang="en-US" dirty="0"/>
+          </a:p>
+        </p:txBody>
+      </p:sp>
+      <p:sp>
+        <p:nvSpPr>
+          <p:cNvPr id="5" name="Text Placeholder 4"/>
           <p:cNvSpPr>
             <a:spLocks noGrp="1"/>
           </p:cNvSpPr>
@@ -1672,16 +1705,25 @@
         </p:nvSpPr>
         <p:spPr>
           <a:xfrm>
-            <a:off x="6172200" y="1681163"/>
-            <a:ext cx="5183188" cy="823912"/>
-          </a:xfrm>
-        </p:spPr>
-        <p:txBody>
-          <a:bodyPr anchor="b"/>
+            <a:off x="6412362" y="2023003"/>
+            <a:ext cx="4645152" cy="802237"/>
+          </a:xfrm>
+        </p:spPr>
+        <p:txBody>
+          <a:bodyPr anchor="b">
+            <a:normAutofit/>
+          </a:bodyPr>
           <a:lstStyle>
             <a:lvl1pPr marL="0" indent="0">
-              <a:buNone/>
-              <a:defRPr sz="2400" b="1"/>
+              <a:lnSpc>
+                <a:spcPct val="100000"/>
+              </a:lnSpc>
+              <a:buNone/>
+              <a:defRPr sz="2200" b="0" cap="all" baseline="0">
+                <a:solidFill>
+                  <a:schemeClr val="accent1"/>
+                </a:solidFill>
+              </a:defRPr>
             </a:lvl1pPr>
             <a:lvl2pPr marL="457200" indent="0">
               <a:buNone/>
@@ -1727,13 +1769,7 @@
       </p:sp>
       <p:sp>
         <p:nvSpPr>
-          <p:cNvPr id="6" name="Content Placeholder 5">
-            <a:extLst>
-              <a:ext uri="{FF2B5EF4-FFF2-40B4-BE49-F238E27FC236}">
-                <a16:creationId xmlns:a16="http://schemas.microsoft.com/office/drawing/2014/main" id="{A20035D5-96F8-E84A-91A2-52B9799A652B}"/>
-              </a:ext>
-            </a:extLst>
-          </p:cNvPr>
+          <p:cNvPr id="6" name="Content Placeholder 5"/>
           <p:cNvSpPr>
             <a:spLocks noGrp="1"/>
           </p:cNvSpPr>
@@ -1743,8 +1779,8 @@
         </p:nvSpPr>
         <p:spPr>
           <a:xfrm>
-            <a:off x="6172200" y="2505075"/>
-            <a:ext cx="5183188" cy="3684588"/>
+            <a:off x="6412362" y="2821491"/>
+            <a:ext cx="4645152" cy="2637371"/>
           </a:xfrm>
         </p:spPr>
         <p:txBody>
@@ -1784,18 +1820,13 @@
               <a:rPr lang="en-US"/>
               <a:t>Fifth level</a:t>
             </a:r>
-          </a:p>
-        </p:txBody>
-      </p:sp>
-      <p:sp>
-        <p:nvSpPr>
-          <p:cNvPr id="7" name="Date Placeholder 6">
-            <a:extLst>
-              <a:ext uri="{FF2B5EF4-FFF2-40B4-BE49-F238E27FC236}">
-                <a16:creationId xmlns:a16="http://schemas.microsoft.com/office/drawing/2014/main" id="{C5589E69-28AB-934F-9640-20D6AB30FFB7}"/>
-              </a:ext>
-            </a:extLst>
-          </p:cNvPr>
+            <a:endParaRPr lang="en-US" dirty="0"/>
+          </a:p>
+        </p:txBody>
+      </p:sp>
+      <p:sp>
+        <p:nvSpPr>
+          <p:cNvPr id="7" name="Date Placeholder 6"/>
           <p:cNvSpPr>
             <a:spLocks noGrp="1"/>
           </p:cNvSpPr>
@@ -1818,13 +1849,7 @@
       </p:sp>
       <p:sp>
         <p:nvSpPr>
-          <p:cNvPr id="8" name="Footer Placeholder 7">
-            <a:extLst>
-              <a:ext uri="{FF2B5EF4-FFF2-40B4-BE49-F238E27FC236}">
-                <a16:creationId xmlns:a16="http://schemas.microsoft.com/office/drawing/2014/main" id="{BE2837B5-FB89-DE47-8411-CA58D3FDDF08}"/>
-              </a:ext>
-            </a:extLst>
-          </p:cNvPr>
+          <p:cNvPr id="8" name="Footer Placeholder 7"/>
           <p:cNvSpPr>
             <a:spLocks noGrp="1"/>
           </p:cNvSpPr>
@@ -1843,13 +1868,7 @@
       </p:sp>
       <p:sp>
         <p:nvSpPr>
-          <p:cNvPr id="9" name="Slide Number Placeholder 8">
-            <a:extLst>
-              <a:ext uri="{FF2B5EF4-FFF2-40B4-BE49-F238E27FC236}">
-                <a16:creationId xmlns:a16="http://schemas.microsoft.com/office/drawing/2014/main" id="{E864F713-4FCB-CB40-8ADC-508C60F938AF}"/>
-              </a:ext>
-            </a:extLst>
-          </p:cNvPr>
+          <p:cNvPr id="9" name="Slide Number Placeholder 8"/>
           <p:cNvSpPr>
             <a:spLocks noGrp="1"/>
           </p:cNvSpPr>
@@ -1870,10 +1889,41 @@
           </a:p>
         </p:txBody>
       </p:sp>
+      <p:cxnSp>
+        <p:nvCxnSpPr>
+          <p:cNvPr id="29" name="Straight Connector 28"/>
+          <p:cNvCxnSpPr/>
+          <p:nvPr/>
+        </p:nvCxnSpPr>
+        <p:spPr>
+          <a:xfrm>
+            <a:off x="1453896" y="1847088"/>
+            <a:ext cx="9607522" cy="0"/>
+          </a:xfrm>
+          <a:prstGeom prst="line">
+            <a:avLst/>
+          </a:prstGeom>
+          <a:ln w="31750"/>
+        </p:spPr>
+        <p:style>
+          <a:lnRef idx="3">
+            <a:schemeClr val="accent1"/>
+          </a:lnRef>
+          <a:fillRef idx="0">
+            <a:schemeClr val="accent1"/>
+          </a:fillRef>
+          <a:effectRef idx="2">
+            <a:schemeClr val="accent1"/>
+          </a:effectRef>
+          <a:fontRef idx="minor">
+            <a:schemeClr val="tx1"/>
+          </a:fontRef>
+        </p:style>
+      </p:cxnSp>
     </p:spTree>
     <p:extLst>
       <p:ext uri="{BB962C8B-B14F-4D97-AF65-F5344CB8AC3E}">
-        <p14:creationId xmlns:p14="http://schemas.microsoft.com/office/powerpoint/2010/main" val="919959050"/>
+        <p14:creationId xmlns:p14="http://schemas.microsoft.com/office/powerpoint/2010/main" val="774085852"/>
       </p:ext>
     </p:extLst>
   </p:cSld>
@@ -1902,13 +1952,7 @@
       </p:grpSpPr>
       <p:sp>
         <p:nvSpPr>
-          <p:cNvPr id="2" name="Title 1">
-            <a:extLst>
-              <a:ext uri="{FF2B5EF4-FFF2-40B4-BE49-F238E27FC236}">
-                <a16:creationId xmlns:a16="http://schemas.microsoft.com/office/drawing/2014/main" id="{AD46D2B4-1086-7A41-AC0D-1E969AB91C91}"/>
-              </a:ext>
-            </a:extLst>
-          </p:cNvPr>
+          <p:cNvPr id="2" name="Title 1"/>
           <p:cNvSpPr>
             <a:spLocks noGrp="1"/>
           </p:cNvSpPr>
@@ -1925,18 +1969,13 @@
               <a:rPr lang="en-US"/>
               <a:t>Click to edit Master title style</a:t>
             </a:r>
-          </a:p>
-        </p:txBody>
-      </p:sp>
-      <p:sp>
-        <p:nvSpPr>
-          <p:cNvPr id="3" name="Date Placeholder 2">
-            <a:extLst>
-              <a:ext uri="{FF2B5EF4-FFF2-40B4-BE49-F238E27FC236}">
-                <a16:creationId xmlns:a16="http://schemas.microsoft.com/office/drawing/2014/main" id="{63EDAF7C-DDFC-3148-822F-7B7C21359DDF}"/>
-              </a:ext>
-            </a:extLst>
-          </p:cNvPr>
+            <a:endParaRPr lang="en-US" dirty="0"/>
+          </a:p>
+        </p:txBody>
+      </p:sp>
+      <p:sp>
+        <p:nvSpPr>
+          <p:cNvPr id="3" name="Date Placeholder 2"/>
           <p:cNvSpPr>
             <a:spLocks noGrp="1"/>
           </p:cNvSpPr>
@@ -1959,13 +1998,7 @@
       </p:sp>
       <p:sp>
         <p:nvSpPr>
-          <p:cNvPr id="4" name="Footer Placeholder 3">
-            <a:extLst>
-              <a:ext uri="{FF2B5EF4-FFF2-40B4-BE49-F238E27FC236}">
-                <a16:creationId xmlns:a16="http://schemas.microsoft.com/office/drawing/2014/main" id="{AB0DF2A2-2837-E64A-95E8-A77ABF6E9154}"/>
-              </a:ext>
-            </a:extLst>
-          </p:cNvPr>
+          <p:cNvPr id="4" name="Footer Placeholder 3"/>
           <p:cNvSpPr>
             <a:spLocks noGrp="1"/>
           </p:cNvSpPr>
@@ -1984,13 +2017,7 @@
       </p:sp>
       <p:sp>
         <p:nvSpPr>
-          <p:cNvPr id="5" name="Slide Number Placeholder 4">
-            <a:extLst>
-              <a:ext uri="{FF2B5EF4-FFF2-40B4-BE49-F238E27FC236}">
-                <a16:creationId xmlns:a16="http://schemas.microsoft.com/office/drawing/2014/main" id="{31F45534-1ED1-644C-B920-8098CC30D386}"/>
-              </a:ext>
-            </a:extLst>
-          </p:cNvPr>
+          <p:cNvPr id="5" name="Slide Number Placeholder 4"/>
           <p:cNvSpPr>
             <a:spLocks noGrp="1"/>
           </p:cNvSpPr>
@@ -2011,10 +2038,41 @@
           </a:p>
         </p:txBody>
       </p:sp>
+      <p:cxnSp>
+        <p:nvCxnSpPr>
+          <p:cNvPr id="25" name="Straight Connector 24"/>
+          <p:cNvCxnSpPr/>
+          <p:nvPr/>
+        </p:nvCxnSpPr>
+        <p:spPr>
+          <a:xfrm>
+            <a:off x="1453896" y="1847088"/>
+            <a:ext cx="9607522" cy="0"/>
+          </a:xfrm>
+          <a:prstGeom prst="line">
+            <a:avLst/>
+          </a:prstGeom>
+          <a:ln w="31750"/>
+        </p:spPr>
+        <p:style>
+          <a:lnRef idx="3">
+            <a:schemeClr val="accent1"/>
+          </a:lnRef>
+          <a:fillRef idx="0">
+            <a:schemeClr val="accent1"/>
+          </a:fillRef>
+          <a:effectRef idx="2">
+            <a:schemeClr val="accent1"/>
+          </a:effectRef>
+          <a:fontRef idx="minor">
+            <a:schemeClr val="tx1"/>
+          </a:fontRef>
+        </p:style>
+      </p:cxnSp>
     </p:spTree>
     <p:extLst>
       <p:ext uri="{BB962C8B-B14F-4D97-AF65-F5344CB8AC3E}">
-        <p14:creationId xmlns:p14="http://schemas.microsoft.com/office/powerpoint/2010/main" val="3789115425"/>
+        <p14:creationId xmlns:p14="http://schemas.microsoft.com/office/powerpoint/2010/main" val="2080296344"/>
       </p:ext>
     </p:extLst>
   </p:cSld>
@@ -2043,13 +2101,7 @@
       </p:grpSpPr>
       <p:sp>
         <p:nvSpPr>
-          <p:cNvPr id="2" name="Date Placeholder 1">
-            <a:extLst>
-              <a:ext uri="{FF2B5EF4-FFF2-40B4-BE49-F238E27FC236}">
-                <a16:creationId xmlns:a16="http://schemas.microsoft.com/office/drawing/2014/main" id="{4F6738BE-F626-3845-B627-03089FA5A9D1}"/>
-              </a:ext>
-            </a:extLst>
-          </p:cNvPr>
+          <p:cNvPr id="2" name="Date Placeholder 1"/>
           <p:cNvSpPr>
             <a:spLocks noGrp="1"/>
           </p:cNvSpPr>
@@ -2072,13 +2124,7 @@
       </p:sp>
       <p:sp>
         <p:nvSpPr>
-          <p:cNvPr id="3" name="Footer Placeholder 2">
-            <a:extLst>
-              <a:ext uri="{FF2B5EF4-FFF2-40B4-BE49-F238E27FC236}">
-                <a16:creationId xmlns:a16="http://schemas.microsoft.com/office/drawing/2014/main" id="{5DB754CF-AB9D-B24B-A996-27EB0DFF0413}"/>
-              </a:ext>
-            </a:extLst>
-          </p:cNvPr>
+          <p:cNvPr id="3" name="Footer Placeholder 2"/>
           <p:cNvSpPr>
             <a:spLocks noGrp="1"/>
           </p:cNvSpPr>
@@ -2097,13 +2143,7 @@
       </p:sp>
       <p:sp>
         <p:nvSpPr>
-          <p:cNvPr id="4" name="Slide Number Placeholder 3">
-            <a:extLst>
-              <a:ext uri="{FF2B5EF4-FFF2-40B4-BE49-F238E27FC236}">
-                <a16:creationId xmlns:a16="http://schemas.microsoft.com/office/drawing/2014/main" id="{9F0B57B3-3D3E-ED44-86F0-B01111EA12AE}"/>
-              </a:ext>
-            </a:extLst>
-          </p:cNvPr>
+          <p:cNvPr id="4" name="Slide Number Placeholder 3"/>
           <p:cNvSpPr>
             <a:spLocks noGrp="1"/>
           </p:cNvSpPr>
@@ -2127,7 +2167,7 @@
     </p:spTree>
     <p:extLst>
       <p:ext uri="{BB962C8B-B14F-4D97-AF65-F5344CB8AC3E}">
-        <p14:creationId xmlns:p14="http://schemas.microsoft.com/office/powerpoint/2010/main" val="2339179905"/>
+        <p14:creationId xmlns:p14="http://schemas.microsoft.com/office/powerpoint/2010/main" val="79652654"/>
       </p:ext>
     </p:extLst>
   </p:cSld>
@@ -2156,13 +2196,7 @@
       </p:grpSpPr>
       <p:sp>
         <p:nvSpPr>
-          <p:cNvPr id="2" name="Title 1">
-            <a:extLst>
-              <a:ext uri="{FF2B5EF4-FFF2-40B4-BE49-F238E27FC236}">
-                <a16:creationId xmlns:a16="http://schemas.microsoft.com/office/drawing/2014/main" id="{22449D8D-9093-4949-87DC-8118FA23C492}"/>
-              </a:ext>
-            </a:extLst>
-          </p:cNvPr>
+          <p:cNvPr id="2" name="Title 1"/>
           <p:cNvSpPr>
             <a:spLocks noGrp="1"/>
           </p:cNvSpPr>
@@ -2172,15 +2206,17 @@
         </p:nvSpPr>
         <p:spPr>
           <a:xfrm>
-            <a:off x="839788" y="457200"/>
-            <a:ext cx="3932237" cy="1600200"/>
-          </a:xfrm>
-        </p:spPr>
-        <p:txBody>
-          <a:bodyPr anchor="b"/>
+            <a:off x="1444671" y="798973"/>
+            <a:ext cx="3273099" cy="2247117"/>
+          </a:xfrm>
+        </p:spPr>
+        <p:txBody>
+          <a:bodyPr anchor="b">
+            <a:normAutofit/>
+          </a:bodyPr>
           <a:lstStyle>
-            <a:lvl1pPr>
-              <a:defRPr sz="3200"/>
+            <a:lvl1pPr algn="l">
+              <a:defRPr sz="2400"/>
             </a:lvl1pPr>
           </a:lstStyle>
           <a:p>
@@ -2188,18 +2224,13 @@
               <a:rPr lang="en-US"/>
               <a:t>Click to edit Master title style</a:t>
             </a:r>
-          </a:p>
-        </p:txBody>
-      </p:sp>
-      <p:sp>
-        <p:nvSpPr>
-          <p:cNvPr id="3" name="Content Placeholder 2">
-            <a:extLst>
-              <a:ext uri="{FF2B5EF4-FFF2-40B4-BE49-F238E27FC236}">
-                <a16:creationId xmlns:a16="http://schemas.microsoft.com/office/drawing/2014/main" id="{E21207D6-7D41-7A41-A487-20D2EB8B2D64}"/>
-              </a:ext>
-            </a:extLst>
-          </p:cNvPr>
+            <a:endParaRPr lang="en-US" dirty="0"/>
+          </a:p>
+        </p:txBody>
+      </p:sp>
+      <p:sp>
+        <p:nvSpPr>
+          <p:cNvPr id="3" name="Content Placeholder 2"/>
           <p:cNvSpPr>
             <a:spLocks noGrp="1"/>
           </p:cNvSpPr>
@@ -2209,104 +2240,71 @@
         </p:nvSpPr>
         <p:spPr>
           <a:xfrm>
-            <a:off x="5183188" y="987425"/>
-            <a:ext cx="6172200" cy="4873625"/>
+            <a:off x="5043714" y="798974"/>
+            <a:ext cx="6012470" cy="4658826"/>
+          </a:xfrm>
+        </p:spPr>
+        <p:txBody>
+          <a:bodyPr anchor="ctr"/>
+          <a:lstStyle/>
+          <a:p>
+            <a:pPr lvl="0"/>
+            <a:r>
+              <a:rPr lang="en-US"/>
+              <a:t>Click to edit Master text styles</a:t>
+            </a:r>
+          </a:p>
+          <a:p>
+            <a:pPr lvl="1"/>
+            <a:r>
+              <a:rPr lang="en-US"/>
+              <a:t>Second level</a:t>
+            </a:r>
+          </a:p>
+          <a:p>
+            <a:pPr lvl="2"/>
+            <a:r>
+              <a:rPr lang="en-US"/>
+              <a:t>Third level</a:t>
+            </a:r>
+          </a:p>
+          <a:p>
+            <a:pPr lvl="3"/>
+            <a:r>
+              <a:rPr lang="en-US"/>
+              <a:t>Fourth level</a:t>
+            </a:r>
+          </a:p>
+          <a:p>
+            <a:pPr lvl="4"/>
+            <a:r>
+              <a:rPr lang="en-US"/>
+              <a:t>Fifth level</a:t>
+            </a:r>
+            <a:endParaRPr lang="en-US" dirty="0"/>
+          </a:p>
+        </p:txBody>
+      </p:sp>
+      <p:sp>
+        <p:nvSpPr>
+          <p:cNvPr id="4" name="Text Placeholder 3"/>
+          <p:cNvSpPr>
+            <a:spLocks noGrp="1"/>
+          </p:cNvSpPr>
+          <p:nvPr>
+            <p:ph type="body" sz="half" idx="2"/>
+          </p:nvPr>
+        </p:nvSpPr>
+        <p:spPr>
+          <a:xfrm>
+            <a:off x="1444671" y="3205491"/>
+            <a:ext cx="3275013" cy="2248181"/>
           </a:xfrm>
         </p:spPr>
         <p:txBody>
           <a:bodyPr/>
           <a:lstStyle>
-            <a:lvl1pPr>
-              <a:defRPr sz="3200"/>
-            </a:lvl1pPr>
-            <a:lvl2pPr>
-              <a:defRPr sz="2800"/>
-            </a:lvl2pPr>
-            <a:lvl3pPr>
-              <a:defRPr sz="2400"/>
-            </a:lvl3pPr>
-            <a:lvl4pPr>
-              <a:defRPr sz="2000"/>
-            </a:lvl4pPr>
-            <a:lvl5pPr>
-              <a:defRPr sz="2000"/>
-            </a:lvl5pPr>
-            <a:lvl6pPr>
-              <a:defRPr sz="2000"/>
-            </a:lvl6pPr>
-            <a:lvl7pPr>
-              <a:defRPr sz="2000"/>
-            </a:lvl7pPr>
-            <a:lvl8pPr>
-              <a:defRPr sz="2000"/>
-            </a:lvl8pPr>
-            <a:lvl9pPr>
-              <a:defRPr sz="2000"/>
-            </a:lvl9pPr>
-          </a:lstStyle>
-          <a:p>
-            <a:pPr lvl="0"/>
-            <a:r>
-              <a:rPr lang="en-US"/>
-              <a:t>Click to edit Master text styles</a:t>
-            </a:r>
-          </a:p>
-          <a:p>
-            <a:pPr lvl="1"/>
-            <a:r>
-              <a:rPr lang="en-US"/>
-              <a:t>Second level</a:t>
-            </a:r>
-          </a:p>
-          <a:p>
-            <a:pPr lvl="2"/>
-            <a:r>
-              <a:rPr lang="en-US"/>
-              <a:t>Third level</a:t>
-            </a:r>
-          </a:p>
-          <a:p>
-            <a:pPr lvl="3"/>
-            <a:r>
-              <a:rPr lang="en-US"/>
-              <a:t>Fourth level</a:t>
-            </a:r>
-          </a:p>
-          <a:p>
-            <a:pPr lvl="4"/>
-            <a:r>
-              <a:rPr lang="en-US"/>
-              <a:t>Fifth level</a:t>
-            </a:r>
-          </a:p>
-        </p:txBody>
-      </p:sp>
-      <p:sp>
-        <p:nvSpPr>
-          <p:cNvPr id="4" name="Text Placeholder 3">
-            <a:extLst>
-              <a:ext uri="{FF2B5EF4-FFF2-40B4-BE49-F238E27FC236}">
-                <a16:creationId xmlns:a16="http://schemas.microsoft.com/office/drawing/2014/main" id="{6C77EE65-7955-5A44-B41A-285ACBC23E75}"/>
-              </a:ext>
-            </a:extLst>
-          </p:cNvPr>
-          <p:cNvSpPr>
-            <a:spLocks noGrp="1"/>
-          </p:cNvSpPr>
-          <p:nvPr>
-            <p:ph type="body" sz="half" idx="2"/>
-          </p:nvPr>
-        </p:nvSpPr>
-        <p:spPr>
-          <a:xfrm>
-            <a:off x="839788" y="2057400"/>
-            <a:ext cx="3932237" cy="3811588"/>
-          </a:xfrm>
-        </p:spPr>
-        <p:txBody>
-          <a:bodyPr/>
-          <a:lstStyle>
-            <a:lvl1pPr marL="0" indent="0">
+            <a:lvl1pPr marL="0" indent="0" algn="l">
               <a:buNone/>
               <a:defRPr sz="1600"/>
             </a:lvl1pPr>
@@ -2354,13 +2352,7 @@
       </p:sp>
       <p:sp>
         <p:nvSpPr>
-          <p:cNvPr id="5" name="Date Placeholder 4">
-            <a:extLst>
-              <a:ext uri="{FF2B5EF4-FFF2-40B4-BE49-F238E27FC236}">
-                <a16:creationId xmlns:a16="http://schemas.microsoft.com/office/drawing/2014/main" id="{53BD2B80-5C34-DF4E-966F-728D419EF4C5}"/>
-              </a:ext>
-            </a:extLst>
-          </p:cNvPr>
+          <p:cNvPr id="5" name="Date Placeholder 4"/>
           <p:cNvSpPr>
             <a:spLocks noGrp="1"/>
           </p:cNvSpPr>
@@ -2383,13 +2375,7 @@
       </p:sp>
       <p:sp>
         <p:nvSpPr>
-          <p:cNvPr id="6" name="Footer Placeholder 5">
-            <a:extLst>
-              <a:ext uri="{FF2B5EF4-FFF2-40B4-BE49-F238E27FC236}">
-                <a16:creationId xmlns:a16="http://schemas.microsoft.com/office/drawing/2014/main" id="{AD0B98A3-EB59-C546-9A65-D4E23A1AB65A}"/>
-              </a:ext>
-            </a:extLst>
-          </p:cNvPr>
+          <p:cNvPr id="6" name="Footer Placeholder 5"/>
           <p:cNvSpPr>
             <a:spLocks noGrp="1"/>
           </p:cNvSpPr>
@@ -2408,13 +2394,7 @@
       </p:sp>
       <p:sp>
         <p:nvSpPr>
-          <p:cNvPr id="7" name="Slide Number Placeholder 6">
-            <a:extLst>
-              <a:ext uri="{FF2B5EF4-FFF2-40B4-BE49-F238E27FC236}">
-                <a16:creationId xmlns:a16="http://schemas.microsoft.com/office/drawing/2014/main" id="{F075127E-05BF-524D-9087-880EEABEA153}"/>
-              </a:ext>
-            </a:extLst>
-          </p:cNvPr>
+          <p:cNvPr id="7" name="Slide Number Placeholder 6"/>
           <p:cNvSpPr>
             <a:spLocks noGrp="1"/>
           </p:cNvSpPr>
@@ -2435,10 +2415,41 @@
           </a:p>
         </p:txBody>
       </p:sp>
+      <p:cxnSp>
+        <p:nvCxnSpPr>
+          <p:cNvPr id="17" name="Straight Connector 16"/>
+          <p:cNvCxnSpPr/>
+          <p:nvPr/>
+        </p:nvCxnSpPr>
+        <p:spPr>
+          <a:xfrm>
+            <a:off x="1448280" y="3205491"/>
+            <a:ext cx="3269490" cy="0"/>
+          </a:xfrm>
+          <a:prstGeom prst="line">
+            <a:avLst/>
+          </a:prstGeom>
+          <a:ln w="31750"/>
+        </p:spPr>
+        <p:style>
+          <a:lnRef idx="3">
+            <a:schemeClr val="accent1"/>
+          </a:lnRef>
+          <a:fillRef idx="0">
+            <a:schemeClr val="accent1"/>
+          </a:fillRef>
+          <a:effectRef idx="2">
+            <a:schemeClr val="accent1"/>
+          </a:effectRef>
+          <a:fontRef idx="minor">
+            <a:schemeClr val="tx1"/>
+          </a:fontRef>
+        </p:style>
+      </p:cxnSp>
     </p:spTree>
     <p:extLst>
       <p:ext uri="{BB962C8B-B14F-4D97-AF65-F5344CB8AC3E}">
-        <p14:creationId xmlns:p14="http://schemas.microsoft.com/office/powerpoint/2010/main" val="2111146969"/>
+        <p14:creationId xmlns:p14="http://schemas.microsoft.com/office/powerpoint/2010/main" val="587546922"/>
       </p:ext>
     </p:extLst>
   </p:cSld>
@@ -2465,15 +2476,143 @@
           <a:chExt cx="0" cy="0"/>
         </a:xfrm>
       </p:grpSpPr>
-      <p:sp>
-        <p:nvSpPr>
-          <p:cNvPr id="2" name="Title 1">
-            <a:extLst>
-              <a:ext uri="{FF2B5EF4-FFF2-40B4-BE49-F238E27FC236}">
-                <a16:creationId xmlns:a16="http://schemas.microsoft.com/office/drawing/2014/main" id="{B34FD1D9-AB6B-1B46-A7AC-BB7AEA976087}"/>
-              </a:ext>
-            </a:extLst>
-          </p:cNvPr>
+      <p:grpSp>
+        <p:nvGrpSpPr>
+          <p:cNvPr id="8" name="Group 7"/>
+          <p:cNvGrpSpPr/>
+          <p:nvPr/>
+        </p:nvGrpSpPr>
+        <p:grpSpPr>
+          <a:xfrm>
+            <a:off x="7477387" y="482170"/>
+            <a:ext cx="4074533" cy="5149101"/>
+            <a:chOff x="7477387" y="482170"/>
+            <a:chExt cx="4074533" cy="5149101"/>
+          </a:xfrm>
+        </p:grpSpPr>
+        <p:sp>
+          <p:nvSpPr>
+            <p:cNvPr id="18" name="Rectangle 17"/>
+            <p:cNvSpPr/>
+            <p:nvPr/>
+          </p:nvSpPr>
+          <p:spPr bwMode="black">
+            <a:xfrm>
+              <a:off x="7477387" y="482170"/>
+              <a:ext cx="4074533" cy="5149101"/>
+            </a:xfrm>
+            <a:prstGeom prst="rect">
+              <a:avLst/>
+            </a:prstGeom>
+            <a:gradFill>
+              <a:gsLst>
+                <a:gs pos="0">
+                  <a:srgbClr val="000001"/>
+                </a:gs>
+                <a:gs pos="100000">
+                  <a:srgbClr val="191919"/>
+                </a:gs>
+              </a:gsLst>
+            </a:gradFill>
+            <a:ln w="76200" cmpd="sng">
+              <a:noFill/>
+              <a:miter lim="800000"/>
+            </a:ln>
+            <a:effectLst>
+              <a:outerShdw blurRad="127000" dist="228600" dir="4740000" sx="98000" sy="98000" algn="tl" rotWithShape="0">
+                <a:srgbClr val="000000">
+                  <a:alpha val="34000"/>
+                </a:srgbClr>
+              </a:outerShdw>
+            </a:effectLst>
+            <a:scene3d>
+              <a:camera prst="orthographicFront"/>
+              <a:lightRig rig="threePt" dir="t"/>
+            </a:scene3d>
+            <a:sp3d>
+              <a:bevelT w="152400" h="50800" prst="softRound"/>
+            </a:sp3d>
+          </p:spPr>
+          <p:style>
+            <a:lnRef idx="1">
+              <a:schemeClr val="accent1"/>
+            </a:lnRef>
+            <a:fillRef idx="3">
+              <a:schemeClr val="accent1"/>
+            </a:fillRef>
+            <a:effectRef idx="2">
+              <a:schemeClr val="accent1"/>
+            </a:effectRef>
+            <a:fontRef idx="minor">
+              <a:schemeClr val="lt1"/>
+            </a:fontRef>
+          </p:style>
+        </p:sp>
+        <p:sp>
+          <p:nvSpPr>
+            <p:cNvPr id="19" name="Rectangle 18"/>
+            <p:cNvSpPr/>
+            <p:nvPr/>
+          </p:nvSpPr>
+          <p:spPr bwMode="blackWhite">
+            <a:xfrm>
+              <a:off x="7790446" y="812506"/>
+              <a:ext cx="3450289" cy="4466452"/>
+            </a:xfrm>
+            <a:prstGeom prst="rect">
+              <a:avLst/>
+            </a:prstGeom>
+            <a:gradFill>
+              <a:gsLst>
+                <a:gs pos="0">
+                  <a:srgbClr val="DADADA"/>
+                </a:gs>
+                <a:gs pos="100000">
+                  <a:srgbClr val="FFFFFE"/>
+                </a:gs>
+              </a:gsLst>
+              <a:lin ang="16200000" scaled="0"/>
+            </a:gradFill>
+            <a:ln w="50800" cmpd="sng">
+              <a:solidFill>
+                <a:srgbClr val="191919"/>
+              </a:solidFill>
+              <a:miter lim="800000"/>
+            </a:ln>
+            <a:effectLst>
+              <a:innerShdw blurRad="63500" dist="88900" dir="14100000">
+                <a:srgbClr val="000000">
+                  <a:alpha val="30000"/>
+                </a:srgbClr>
+              </a:innerShdw>
+            </a:effectLst>
+            <a:scene3d>
+              <a:camera prst="orthographicFront"/>
+              <a:lightRig rig="threePt" dir="t"/>
+            </a:scene3d>
+            <a:sp3d>
+              <a:bevelT prst="relaxedInset"/>
+            </a:sp3d>
+          </p:spPr>
+          <p:style>
+            <a:lnRef idx="1">
+              <a:schemeClr val="accent1"/>
+            </a:lnRef>
+            <a:fillRef idx="3">
+              <a:schemeClr val="accent1"/>
+            </a:fillRef>
+            <a:effectRef idx="2">
+              <a:schemeClr val="accent1"/>
+            </a:effectRef>
+            <a:fontRef idx="minor">
+              <a:schemeClr val="lt1"/>
+            </a:fontRef>
+          </p:style>
+        </p:sp>
+      </p:grpSp>
+      <p:sp>
+        <p:nvSpPr>
+          <p:cNvPr id="2" name="Title 1"/>
           <p:cNvSpPr>
             <a:spLocks noGrp="1"/>
           </p:cNvSpPr>
@@ -2483,12 +2622,14 @@
         </p:nvSpPr>
         <p:spPr>
           <a:xfrm>
-            <a:off x="839788" y="457200"/>
-            <a:ext cx="3932237" cy="1600200"/>
-          </a:xfrm>
-        </p:spPr>
-        <p:txBody>
-          <a:bodyPr anchor="b"/>
+            <a:off x="1451206" y="1129513"/>
+            <a:ext cx="5532328" cy="1830584"/>
+          </a:xfrm>
+        </p:spPr>
+        <p:txBody>
+          <a:bodyPr anchor="b">
+            <a:normAutofit/>
+          </a:bodyPr>
           <a:lstStyle>
             <a:lvl1pPr>
               <a:defRPr sz="3200"/>
@@ -2499,20 +2640,15 @@
               <a:rPr lang="en-US"/>
               <a:t>Click to edit Master title style</a:t>
             </a:r>
-          </a:p>
-        </p:txBody>
-      </p:sp>
-      <p:sp>
-        <p:nvSpPr>
-          <p:cNvPr id="3" name="Picture Placeholder 2">
-            <a:extLst>
-              <a:ext uri="{FF2B5EF4-FFF2-40B4-BE49-F238E27FC236}">
-                <a16:creationId xmlns:a16="http://schemas.microsoft.com/office/drawing/2014/main" id="{FDE27DEB-72EE-7349-A33B-4CC99B63B54A}"/>
-              </a:ext>
-            </a:extLst>
-          </p:cNvPr>
-          <p:cNvSpPr>
-            <a:spLocks noGrp="1"/>
+            <a:endParaRPr lang="en-US" dirty="0"/>
+          </a:p>
+        </p:txBody>
+      </p:sp>
+      <p:sp>
+        <p:nvSpPr>
+          <p:cNvPr id="3" name="Picture Placeholder 2"/>
+          <p:cNvSpPr>
+            <a:spLocks noGrp="1" noChangeAspect="1"/>
           </p:cNvSpPr>
           <p:nvPr>
             <p:ph type="pic" idx="1"/>
@@ -2520,14 +2656,24 @@
         </p:nvSpPr>
         <p:spPr>
           <a:xfrm>
-            <a:off x="5183188" y="987425"/>
-            <a:ext cx="6172200" cy="4873625"/>
-          </a:xfrm>
-        </p:spPr>
-        <p:txBody>
-          <a:bodyPr/>
+            <a:off x="8124389" y="1122542"/>
+            <a:ext cx="2791171" cy="3866327"/>
+          </a:xfrm>
+          <a:solidFill>
+            <a:schemeClr val="bg1">
+              <a:lumMod val="85000"/>
+            </a:schemeClr>
+          </a:solidFill>
+          <a:ln w="9525" cap="sq">
+            <a:noFill/>
+            <a:miter lim="800000"/>
+          </a:ln>
+          <a:effectLst/>
+        </p:spPr>
+        <p:txBody>
+          <a:bodyPr anchor="t"/>
           <a:lstStyle>
-            <a:lvl1pPr marL="0" indent="0">
+            <a:lvl1pPr marL="0" indent="0" algn="ctr">
               <a:buNone/>
               <a:defRPr sz="3200"/>
             </a:lvl1pPr>
@@ -2565,19 +2711,17 @@
             </a:lvl9pPr>
           </a:lstStyle>
           <a:p>
-            <a:endParaRPr lang="en-US"/>
-          </a:p>
-        </p:txBody>
-      </p:sp>
-      <p:sp>
-        <p:nvSpPr>
-          <p:cNvPr id="4" name="Text Placeholder 3">
-            <a:extLst>
-              <a:ext uri="{FF2B5EF4-FFF2-40B4-BE49-F238E27FC236}">
-                <a16:creationId xmlns:a16="http://schemas.microsoft.com/office/drawing/2014/main" id="{965F7188-954D-F84D-A238-E39021751C96}"/>
-              </a:ext>
-            </a:extLst>
-          </p:cNvPr>
+            <a:r>
+              <a:rPr lang="en-US"/>
+              <a:t>Click icon to add picture</a:t>
+            </a:r>
+            <a:endParaRPr lang="en-US" dirty="0"/>
+          </a:p>
+        </p:txBody>
+      </p:sp>
+      <p:sp>
+        <p:nvSpPr>
+          <p:cNvPr id="4" name="Text Placeholder 3"/>
           <p:cNvSpPr>
             <a:spLocks noGrp="1"/>
           </p:cNvSpPr>
@@ -2587,16 +2731,18 @@
         </p:nvSpPr>
         <p:spPr>
           <a:xfrm>
-            <a:off x="839788" y="2057400"/>
-            <a:ext cx="3932237" cy="3811588"/>
-          </a:xfrm>
-        </p:spPr>
-        <p:txBody>
-          <a:bodyPr/>
+            <a:off x="1450329" y="3145992"/>
+            <a:ext cx="5524404" cy="2003742"/>
+          </a:xfrm>
+        </p:spPr>
+        <p:txBody>
+          <a:bodyPr>
+            <a:normAutofit/>
+          </a:bodyPr>
           <a:lstStyle>
-            <a:lvl1pPr marL="0" indent="0">
-              <a:buNone/>
-              <a:defRPr sz="1600"/>
+            <a:lvl1pPr marL="0" indent="0" algn="l">
+              <a:buNone/>
+              <a:defRPr sz="1800"/>
             </a:lvl1pPr>
             <a:lvl2pPr marL="457200" indent="0">
               <a:buNone/>
@@ -2642,13 +2788,7 @@
       </p:sp>
       <p:sp>
         <p:nvSpPr>
-          <p:cNvPr id="5" name="Date Placeholder 4">
-            <a:extLst>
-              <a:ext uri="{FF2B5EF4-FFF2-40B4-BE49-F238E27FC236}">
-                <a16:creationId xmlns:a16="http://schemas.microsoft.com/office/drawing/2014/main" id="{45186BC3-C506-374A-972D-444F9B9B9855}"/>
-              </a:ext>
-            </a:extLst>
-          </p:cNvPr>
+          <p:cNvPr id="5" name="Date Placeholder 4"/>
           <p:cNvSpPr>
             <a:spLocks noGrp="1"/>
           </p:cNvSpPr>
@@ -2656,10 +2796,19 @@
             <p:ph type="dt" sz="half" idx="10"/>
           </p:nvPr>
         </p:nvSpPr>
-        <p:spPr/>
+        <p:spPr>
+          <a:xfrm>
+            <a:off x="1447382" y="5469856"/>
+            <a:ext cx="5527351" cy="320123"/>
+          </a:xfrm>
+        </p:spPr>
         <p:txBody>
           <a:bodyPr/>
-          <a:lstStyle/>
+          <a:lstStyle>
+            <a:lvl1pPr algn="l">
+              <a:defRPr/>
+            </a:lvl1pPr>
+          </a:lstStyle>
           <a:p>
             <a:fld id="{C0491429-6C92-1A47-AF45-CE4EC9A47C12}" type="datetimeFigureOut">
               <a:rPr lang="en-US" smtClean="0"/>
@@ -2671,13 +2820,7 @@
       </p:sp>
       <p:sp>
         <p:nvSpPr>
-          <p:cNvPr id="6" name="Footer Placeholder 5">
-            <a:extLst>
-              <a:ext uri="{FF2B5EF4-FFF2-40B4-BE49-F238E27FC236}">
-                <a16:creationId xmlns:a16="http://schemas.microsoft.com/office/drawing/2014/main" id="{0A6CD0D6-8064-1644-A180-5843283CD5BB}"/>
-              </a:ext>
-            </a:extLst>
-          </p:cNvPr>
+          <p:cNvPr id="6" name="Footer Placeholder 5"/>
           <p:cNvSpPr>
             <a:spLocks noGrp="1"/>
           </p:cNvSpPr>
@@ -2685,7 +2828,12 @@
             <p:ph type="ftr" sz="quarter" idx="11"/>
           </p:nvPr>
         </p:nvSpPr>
-        <p:spPr/>
+        <p:spPr>
+          <a:xfrm>
+            <a:off x="1447382" y="318640"/>
+            <a:ext cx="5541004" cy="320931"/>
+          </a:xfrm>
+        </p:spPr>
         <p:txBody>
           <a:bodyPr/>
           <a:lstStyle/>
@@ -2696,13 +2844,7 @@
       </p:sp>
       <p:sp>
         <p:nvSpPr>
-          <p:cNvPr id="7" name="Slide Number Placeholder 6">
-            <a:extLst>
-              <a:ext uri="{FF2B5EF4-FFF2-40B4-BE49-F238E27FC236}">
-                <a16:creationId xmlns:a16="http://schemas.microsoft.com/office/drawing/2014/main" id="{8C3AD118-4377-0240-8E50-E915247A428C}"/>
-              </a:ext>
-            </a:extLst>
-          </p:cNvPr>
+          <p:cNvPr id="7" name="Slide Number Placeholder 6"/>
           <p:cNvSpPr>
             <a:spLocks noGrp="1"/>
           </p:cNvSpPr>
@@ -2723,10 +2865,41 @@
           </a:p>
         </p:txBody>
       </p:sp>
+      <p:cxnSp>
+        <p:nvCxnSpPr>
+          <p:cNvPr id="31" name="Straight Connector 30"/>
+          <p:cNvCxnSpPr/>
+          <p:nvPr/>
+        </p:nvCxnSpPr>
+        <p:spPr>
+          <a:xfrm>
+            <a:off x="1447382" y="3143605"/>
+            <a:ext cx="5527351" cy="0"/>
+          </a:xfrm>
+          <a:prstGeom prst="line">
+            <a:avLst/>
+          </a:prstGeom>
+          <a:ln w="31750"/>
+        </p:spPr>
+        <p:style>
+          <a:lnRef idx="3">
+            <a:schemeClr val="accent1"/>
+          </a:lnRef>
+          <a:fillRef idx="0">
+            <a:schemeClr val="accent1"/>
+          </a:fillRef>
+          <a:effectRef idx="2">
+            <a:schemeClr val="accent1"/>
+          </a:effectRef>
+          <a:fontRef idx="minor">
+            <a:schemeClr val="tx1"/>
+          </a:fontRef>
+        </p:style>
+      </p:cxnSp>
     </p:spTree>
     <p:extLst>
       <p:ext uri="{BB962C8B-B14F-4D97-AF65-F5344CB8AC3E}">
-        <p14:creationId xmlns:p14="http://schemas.microsoft.com/office/powerpoint/2010/main" val="1307504574"/>
+        <p14:creationId xmlns:p14="http://schemas.microsoft.com/office/powerpoint/2010/main" val="3349830235"/>
       </p:ext>
     </p:extLst>
   </p:cSld>
@@ -2740,8 +2913,8 @@
 <p:sldMaster xmlns:a="http://schemas.openxmlformats.org/drawingml/2006/main" xmlns:r="http://schemas.openxmlformats.org/officeDocument/2006/relationships" xmlns:p="http://schemas.openxmlformats.org/presentationml/2006/main">
   <p:cSld>
     <p:bg>
-      <p:bgRef idx="1001">
-        <a:schemeClr val="bg1"/>
+      <p:bgRef idx="1003">
+        <a:schemeClr val="bg2"/>
       </p:bgRef>
     </p:bg>
     <p:spTree>
@@ -2760,67 +2933,134 @@
       </p:grpSpPr>
       <p:sp>
         <p:nvSpPr>
-          <p:cNvPr id="2" name="Title Placeholder 1">
-            <a:extLst>
-              <a:ext uri="{FF2B5EF4-FFF2-40B4-BE49-F238E27FC236}">
-                <a16:creationId xmlns:a16="http://schemas.microsoft.com/office/drawing/2014/main" id="{3F606E04-B6CF-6941-B6EA-22F66D6C9B65}"/>
-              </a:ext>
-            </a:extLst>
-          </p:cNvPr>
-          <p:cNvSpPr>
-            <a:spLocks noGrp="1"/>
-          </p:cNvSpPr>
-          <p:nvPr>
-            <p:ph type="title"/>
-          </p:nvPr>
-        </p:nvSpPr>
-        <p:spPr>
-          <a:xfrm>
-            <a:off x="838200" y="365125"/>
-            <a:ext cx="10515600" cy="1325563"/>
+          <p:cNvPr id="8" name="Rectangle 7"/>
+          <p:cNvSpPr/>
+          <p:nvPr/>
+        </p:nvSpPr>
+        <p:spPr>
+          <a:xfrm>
+            <a:off x="0" y="2019476"/>
+            <a:ext cx="12192000" cy="4105941"/>
           </a:xfrm>
           <a:prstGeom prst="rect">
             <a:avLst/>
           </a:prstGeom>
-        </p:spPr>
-        <p:txBody>
-          <a:bodyPr vert="horz" lIns="91440" tIns="45720" rIns="91440" bIns="45720" rtlCol="0" anchor="ctr">
-            <a:normAutofit/>
-          </a:bodyPr>
-          <a:lstStyle/>
-          <a:p>
-            <a:r>
-              <a:rPr lang="en-US"/>
-              <a:t>Click to edit Master title style</a:t>
-            </a:r>
-          </a:p>
-        </p:txBody>
-      </p:sp>
-      <p:sp>
-        <p:nvSpPr>
-          <p:cNvPr id="3" name="Text Placeholder 2">
+          <a:gradFill flip="none" rotWithShape="1">
+            <a:gsLst>
+              <a:gs pos="0">
+                <a:schemeClr val="bg2">
+                  <a:alpha val="0"/>
+                </a:schemeClr>
+              </a:gs>
+              <a:gs pos="100000">
+                <a:schemeClr val="bg2"/>
+              </a:gs>
+            </a:gsLst>
+            <a:lin ang="5400000" scaled="0"/>
+            <a:tileRect/>
+          </a:gradFill>
+          <a:ln>
+            <a:noFill/>
+          </a:ln>
+        </p:spPr>
+        <p:style>
+          <a:lnRef idx="2">
+            <a:schemeClr val="accent1">
+              <a:shade val="50000"/>
+            </a:schemeClr>
+          </a:lnRef>
+          <a:fillRef idx="1">
+            <a:schemeClr val="accent1"/>
+          </a:fillRef>
+          <a:effectRef idx="0">
+            <a:schemeClr val="accent1"/>
+          </a:effectRef>
+          <a:fontRef idx="minor">
+            <a:schemeClr val="lt1"/>
+          </a:fontRef>
+        </p:style>
+      </p:sp>
+      <p:pic>
+        <p:nvPicPr>
+          <p:cNvPr id="7" name="Picture 6"/>
+          <p:cNvPicPr>
+            <a:picLocks noChangeAspect="1"/>
+          </p:cNvPicPr>
+          <p:nvPr/>
+        </p:nvPicPr>
+        <p:blipFill rotWithShape="1">
+          <a:blip r:embed="rId13">
             <a:extLst>
-              <a:ext uri="{FF2B5EF4-FFF2-40B4-BE49-F238E27FC236}">
-                <a16:creationId xmlns:a16="http://schemas.microsoft.com/office/drawing/2014/main" id="{4DEB1317-8E25-4B46-A137-5F35E2AB9951}"/>
+              <a:ext uri="{28A0092B-C50C-407E-A947-70E740481C1C}">
+                <a14:useLocalDpi xmlns:a14="http://schemas.microsoft.com/office/drawing/2010/main" val="0"/>
               </a:ext>
             </a:extLst>
-          </p:cNvPr>
-          <p:cNvSpPr>
-            <a:spLocks noGrp="1"/>
-          </p:cNvSpPr>
-          <p:nvPr>
-            <p:ph type="body" idx="1"/>
-          </p:nvPr>
-        </p:nvSpPr>
-        <p:spPr>
-          <a:xfrm>
-            <a:off x="838200" y="1825625"/>
-            <a:ext cx="10515600" cy="4351338"/>
+          </a:blip>
+          <a:srcRect t="1538" b="-1538"/>
+          <a:stretch/>
+        </p:blipFill>
+        <p:spPr bwMode="black">
+          <a:xfrm>
+            <a:off x="0" y="6126480"/>
+            <a:ext cx="12192000" cy="742950"/>
           </a:xfrm>
           <a:prstGeom prst="rect">
             <a:avLst/>
           </a:prstGeom>
         </p:spPr>
+      </p:pic>
+      <p:sp>
+        <p:nvSpPr>
+          <p:cNvPr id="2" name="Title Placeholder 1"/>
+          <p:cNvSpPr>
+            <a:spLocks noGrp="1"/>
+          </p:cNvSpPr>
+          <p:nvPr>
+            <p:ph type="title"/>
+          </p:nvPr>
+        </p:nvSpPr>
+        <p:spPr>
+          <a:xfrm>
+            <a:off x="1451579" y="804519"/>
+            <a:ext cx="9603275" cy="1049235"/>
+          </a:xfrm>
+          <a:prstGeom prst="rect">
+            <a:avLst/>
+          </a:prstGeom>
+        </p:spPr>
+        <p:txBody>
+          <a:bodyPr vert="horz" lIns="91440" tIns="45720" rIns="91440" bIns="45720" rtlCol="0" anchor="t">
+            <a:normAutofit/>
+          </a:bodyPr>
+          <a:lstStyle/>
+          <a:p>
+            <a:r>
+              <a:rPr lang="en-US"/>
+              <a:t>Click to edit Master title style</a:t>
+            </a:r>
+            <a:endParaRPr lang="en-US" dirty="0"/>
+          </a:p>
+        </p:txBody>
+      </p:sp>
+      <p:sp>
+        <p:nvSpPr>
+          <p:cNvPr id="3" name="Text Placeholder 2"/>
+          <p:cNvSpPr>
+            <a:spLocks noGrp="1"/>
+          </p:cNvSpPr>
+          <p:nvPr>
+            <p:ph type="body" idx="1"/>
+          </p:nvPr>
+        </p:nvSpPr>
+        <p:spPr>
+          <a:xfrm>
+            <a:off x="1451579" y="2015732"/>
+            <a:ext cx="9603275" cy="3450613"/>
+          </a:xfrm>
+          <a:prstGeom prst="rect">
+            <a:avLst/>
+          </a:prstGeom>
+        </p:spPr>
         <p:txBody>
           <a:bodyPr vert="horz" lIns="91440" tIns="45720" rIns="91440" bIns="45720" rtlCol="0">
             <a:normAutofit/>
@@ -2860,18 +3100,13 @@
               <a:rPr lang="en-US"/>
               <a:t>Fifth level</a:t>
             </a:r>
-          </a:p>
-        </p:txBody>
-      </p:sp>
-      <p:sp>
-        <p:nvSpPr>
-          <p:cNvPr id="4" name="Date Placeholder 3">
-            <a:extLst>
-              <a:ext uri="{FF2B5EF4-FFF2-40B4-BE49-F238E27FC236}">
-                <a16:creationId xmlns:a16="http://schemas.microsoft.com/office/drawing/2014/main" id="{33925257-2388-3941-A1B8-D4F831AA6281}"/>
-              </a:ext>
-            </a:extLst>
-          </p:cNvPr>
+            <a:endParaRPr lang="en-US" dirty="0"/>
+          </a:p>
+        </p:txBody>
+      </p:sp>
+      <p:sp>
+        <p:nvSpPr>
+          <p:cNvPr id="4" name="Date Placeholder 3"/>
           <p:cNvSpPr>
             <a:spLocks noGrp="1"/>
           </p:cNvSpPr>
@@ -2881,8 +3116,8 @@
         </p:nvSpPr>
         <p:spPr>
           <a:xfrm>
-            <a:off x="838200" y="6356350"/>
-            <a:ext cx="2743200" cy="365125"/>
+            <a:off x="7554138" y="330370"/>
+            <a:ext cx="3500715" cy="309201"/>
           </a:xfrm>
           <a:prstGeom prst="rect">
             <a:avLst/>
@@ -2891,8 +3126,8 @@
         <p:txBody>
           <a:bodyPr vert="horz" lIns="91440" tIns="45720" rIns="91440" bIns="45720" rtlCol="0" anchor="ctr"/>
           <a:lstStyle>
-            <a:lvl1pPr algn="l">
-              <a:defRPr sz="1200">
+            <a:lvl1pPr algn="r">
+              <a:defRPr sz="1000">
                 <a:solidFill>
                   <a:schemeClr val="tx1">
                     <a:tint val="75000"/>
@@ -2912,13 +3147,7 @@
       </p:sp>
       <p:sp>
         <p:nvSpPr>
-          <p:cNvPr id="5" name="Footer Placeholder 4">
-            <a:extLst>
-              <a:ext uri="{FF2B5EF4-FFF2-40B4-BE49-F238E27FC236}">
-                <a16:creationId xmlns:a16="http://schemas.microsoft.com/office/drawing/2014/main" id="{B5F7E464-5C51-1F4A-AF52-A7794D3EBC90}"/>
-              </a:ext>
-            </a:extLst>
-          </p:cNvPr>
+          <p:cNvPr id="5" name="Footer Placeholder 4"/>
           <p:cNvSpPr>
             <a:spLocks noGrp="1"/>
           </p:cNvSpPr>
@@ -2928,8 +3157,8 @@
         </p:nvSpPr>
         <p:spPr>
           <a:xfrm>
-            <a:off x="4038600" y="6356350"/>
-            <a:ext cx="4114800" cy="365125"/>
+            <a:off x="1451579" y="329307"/>
+            <a:ext cx="5938836" cy="309201"/>
           </a:xfrm>
           <a:prstGeom prst="rect">
             <a:avLst/>
@@ -2938,8 +3167,8 @@
         <p:txBody>
           <a:bodyPr vert="horz" lIns="91440" tIns="45720" rIns="91440" bIns="45720" rtlCol="0" anchor="ctr"/>
           <a:lstStyle>
-            <a:lvl1pPr algn="ctr">
-              <a:defRPr sz="1200">
+            <a:lvl1pPr algn="l">
+              <a:defRPr sz="1000">
                 <a:solidFill>
                   <a:schemeClr val="tx1">
                     <a:tint val="75000"/>
@@ -2955,13 +3184,7 @@
       </p:sp>
       <p:sp>
         <p:nvSpPr>
-          <p:cNvPr id="6" name="Slide Number Placeholder 5">
-            <a:extLst>
-              <a:ext uri="{FF2B5EF4-FFF2-40B4-BE49-F238E27FC236}">
-                <a16:creationId xmlns:a16="http://schemas.microsoft.com/office/drawing/2014/main" id="{AE0B6F9F-3048-4649-AEE1-0F73E4F9BA37}"/>
-              </a:ext>
-            </a:extLst>
-          </p:cNvPr>
+          <p:cNvPr id="6" name="Slide Number Placeholder 5"/>
           <p:cNvSpPr>
             <a:spLocks noGrp="1"/>
           </p:cNvSpPr>
@@ -2971,22 +3194,20 @@
         </p:nvSpPr>
         <p:spPr>
           <a:xfrm>
-            <a:off x="8610600" y="6356350"/>
-            <a:ext cx="2743200" cy="365125"/>
+            <a:off x="480060" y="798973"/>
+            <a:ext cx="811019" cy="503578"/>
           </a:xfrm>
           <a:prstGeom prst="rect">
             <a:avLst/>
           </a:prstGeom>
         </p:spPr>
         <p:txBody>
-          <a:bodyPr vert="horz" lIns="91440" tIns="45720" rIns="91440" bIns="45720" rtlCol="0" anchor="ctr"/>
+          <a:bodyPr vert="horz" lIns="91440" tIns="45720" rIns="91440" bIns="45720" rtlCol="0" anchor="t"/>
           <a:lstStyle>
             <a:lvl1pPr algn="r">
-              <a:defRPr sz="1200">
+              <a:defRPr sz="2800">
                 <a:solidFill>
-                  <a:schemeClr val="tx1">
-                    <a:tint val="75000"/>
-                  </a:schemeClr>
+                  <a:schemeClr val="accent1"/>
                 </a:solidFill>
               </a:defRPr>
             </a:lvl1pPr>
@@ -3000,26 +3221,63 @@
           </a:p>
         </p:txBody>
       </p:sp>
+      <p:cxnSp>
+        <p:nvCxnSpPr>
+          <p:cNvPr id="10" name="Straight Connector 9"/>
+          <p:cNvCxnSpPr/>
+          <p:nvPr/>
+        </p:nvCxnSpPr>
+        <p:spPr>
+          <a:xfrm>
+            <a:off x="0" y="6128413"/>
+            <a:ext cx="12192000" cy="0"/>
+          </a:xfrm>
+          <a:prstGeom prst="line">
+            <a:avLst/>
+          </a:prstGeom>
+          <a:ln w="12700">
+            <a:solidFill>
+              <a:srgbClr val="000001">
+                <a:alpha val="20000"/>
+              </a:srgbClr>
+            </a:solidFill>
+          </a:ln>
+        </p:spPr>
+        <p:style>
+          <a:lnRef idx="1">
+            <a:schemeClr val="accent1"/>
+          </a:lnRef>
+          <a:fillRef idx="0">
+            <a:schemeClr val="accent1"/>
+          </a:fillRef>
+          <a:effectRef idx="0">
+            <a:schemeClr val="accent1"/>
+          </a:effectRef>
+          <a:fontRef idx="minor">
+            <a:schemeClr val="tx1"/>
+          </a:fontRef>
+        </p:style>
+      </p:cxnSp>
     </p:spTree>
     <p:extLst>
       <p:ext uri="{BB962C8B-B14F-4D97-AF65-F5344CB8AC3E}">
-        <p14:creationId xmlns:p14="http://schemas.microsoft.com/office/powerpoint/2010/main" val="488790287"/>
+        <p14:creationId xmlns:p14="http://schemas.microsoft.com/office/powerpoint/2010/main" val="4171850008"/>
       </p:ext>
     </p:extLst>
   </p:cSld>
   <p:clrMap bg1="lt1" tx1="dk1" bg2="lt2" tx2="dk2" accent1="accent1" accent2="accent2" accent3="accent3" accent4="accent4" accent5="accent5" accent6="accent6" hlink="hlink" folHlink="folHlink"/>
   <p:sldLayoutIdLst>
-    <p:sldLayoutId id="2147483649" r:id="rId1"/>
-    <p:sldLayoutId id="2147483650" r:id="rId2"/>
-    <p:sldLayoutId id="2147483651" r:id="rId3"/>
-    <p:sldLayoutId id="2147483652" r:id="rId4"/>
-    <p:sldLayoutId id="2147483653" r:id="rId5"/>
-    <p:sldLayoutId id="2147483654" r:id="rId6"/>
-    <p:sldLayoutId id="2147483655" r:id="rId7"/>
-    <p:sldLayoutId id="2147483656" r:id="rId8"/>
-    <p:sldLayoutId id="2147483657" r:id="rId9"/>
-    <p:sldLayoutId id="2147483658" r:id="rId10"/>
-    <p:sldLayoutId id="2147483659" r:id="rId11"/>
+    <p:sldLayoutId id="2147483661" r:id="rId1"/>
+    <p:sldLayoutId id="2147483662" r:id="rId2"/>
+    <p:sldLayoutId id="2147483663" r:id="rId3"/>
+    <p:sldLayoutId id="2147483664" r:id="rId4"/>
+    <p:sldLayoutId id="2147483665" r:id="rId5"/>
+    <p:sldLayoutId id="2147483666" r:id="rId6"/>
+    <p:sldLayoutId id="2147483667" r:id="rId7"/>
+    <p:sldLayoutId id="2147483668" r:id="rId8"/>
+    <p:sldLayoutId id="2147483669" r:id="rId9"/>
+    <p:sldLayoutId id="2147483670" r:id="rId10"/>
+    <p:sldLayoutId id="2147483671" r:id="rId11"/>
   </p:sldLayoutIdLst>
   <p:txStyles>
     <p:titleStyle>
@@ -3031,10 +3289,11 @@
           <a:spcPct val="0"/>
         </a:spcBef>
         <a:buNone/>
-        <a:defRPr sz="4400" kern="1200">
+        <a:defRPr sz="3200" b="0" i="0" kern="1200" cap="all">
           <a:solidFill>
             <a:schemeClr val="tx1"/>
           </a:solidFill>
+          <a:effectLst/>
           <a:latin typeface="+mj-lt"/>
           <a:ea typeface="+mj-ea"/>
           <a:cs typeface="+mj-cs"/>
@@ -3044,17 +3303,22 @@
     <p:bodyStyle>
       <a:lvl1pPr marL="228600" indent="-228600" algn="l" defTabSz="914400" rtl="0" eaLnBrk="1" latinLnBrk="0" hangingPunct="1">
         <a:lnSpc>
-          <a:spcPct val="90000"/>
+          <a:spcPct val="120000"/>
         </a:lnSpc>
         <a:spcBef>
           <a:spcPts val="1000"/>
         </a:spcBef>
+        <a:buClr>
+          <a:schemeClr val="accent1"/>
+        </a:buClr>
+        <a:buSzPct val="100000"/>
         <a:buFont typeface="Arial" panose="020B0604020202020204" pitchFamily="34" charset="0"/>
         <a:buChar char="•"/>
-        <a:defRPr sz="2800" kern="1200">
+        <a:defRPr sz="2000" kern="1200">
           <a:solidFill>
             <a:schemeClr val="tx1"/>
           </a:solidFill>
+          <a:effectLst/>
           <a:latin typeface="+mn-lt"/>
           <a:ea typeface="+mn-ea"/>
           <a:cs typeface="+mn-cs"/>
@@ -3062,17 +3326,22 @@
       </a:lvl1pPr>
       <a:lvl2pPr marL="685800" indent="-228600" algn="l" defTabSz="914400" rtl="0" eaLnBrk="1" latinLnBrk="0" hangingPunct="1">
         <a:lnSpc>
-          <a:spcPct val="90000"/>
+          <a:spcPct val="120000"/>
         </a:lnSpc>
         <a:spcBef>
           <a:spcPts val="500"/>
         </a:spcBef>
+        <a:buClr>
+          <a:schemeClr val="accent1"/>
+        </a:buClr>
+        <a:buSzPct val="100000"/>
         <a:buFont typeface="Arial" panose="020B0604020202020204" pitchFamily="34" charset="0"/>
         <a:buChar char="•"/>
-        <a:defRPr sz="2400" kern="1200">
+        <a:defRPr sz="1800" kern="1200" cap="none" baseline="0">
           <a:solidFill>
             <a:schemeClr val="tx1"/>
           </a:solidFill>
+          <a:effectLst/>
           <a:latin typeface="+mn-lt"/>
           <a:ea typeface="+mn-ea"/>
           <a:cs typeface="+mn-cs"/>
@@ -3080,17 +3349,22 @@
       </a:lvl2pPr>
       <a:lvl3pPr marL="1143000" indent="-228600" algn="l" defTabSz="914400" rtl="0" eaLnBrk="1" latinLnBrk="0" hangingPunct="1">
         <a:lnSpc>
-          <a:spcPct val="90000"/>
+          <a:spcPct val="120000"/>
         </a:lnSpc>
         <a:spcBef>
           <a:spcPts val="500"/>
         </a:spcBef>
+        <a:buClr>
+          <a:schemeClr val="accent1"/>
+        </a:buClr>
+        <a:buSzPct val="100000"/>
         <a:buFont typeface="Arial" panose="020B0604020202020204" pitchFamily="34" charset="0"/>
         <a:buChar char="•"/>
-        <a:defRPr sz="2000" kern="1200">
+        <a:defRPr sz="1600" kern="1200">
           <a:solidFill>
             <a:schemeClr val="tx1"/>
           </a:solidFill>
+          <a:effectLst/>
           <a:latin typeface="+mn-lt"/>
           <a:ea typeface="+mn-ea"/>
           <a:cs typeface="+mn-cs"/>
@@ -3098,17 +3372,22 @@
       </a:lvl3pPr>
       <a:lvl4pPr marL="1600200" indent="-228600" algn="l" defTabSz="914400" rtl="0" eaLnBrk="1" latinLnBrk="0" hangingPunct="1">
         <a:lnSpc>
-          <a:spcPct val="90000"/>
+          <a:spcPct val="120000"/>
         </a:lnSpc>
         <a:spcBef>
           <a:spcPts val="500"/>
         </a:spcBef>
+        <a:buClr>
+          <a:schemeClr val="accent1"/>
+        </a:buClr>
+        <a:buSzPct val="100000"/>
         <a:buFont typeface="Arial" panose="020B0604020202020204" pitchFamily="34" charset="0"/>
         <a:buChar char="•"/>
-        <a:defRPr sz="1800" kern="1200">
+        <a:defRPr sz="1400" kern="1200" cap="none" baseline="0">
           <a:solidFill>
             <a:schemeClr val="tx1"/>
           </a:solidFill>
+          <a:effectLst/>
           <a:latin typeface="+mn-lt"/>
           <a:ea typeface="+mn-ea"/>
           <a:cs typeface="+mn-cs"/>
@@ -3116,17 +3395,22 @@
       </a:lvl4pPr>
       <a:lvl5pPr marL="2057400" indent="-228600" algn="l" defTabSz="914400" rtl="0" eaLnBrk="1" latinLnBrk="0" hangingPunct="1">
         <a:lnSpc>
-          <a:spcPct val="90000"/>
+          <a:spcPct val="120000"/>
         </a:lnSpc>
         <a:spcBef>
           <a:spcPts val="500"/>
         </a:spcBef>
+        <a:buClr>
+          <a:schemeClr val="accent1"/>
+        </a:buClr>
+        <a:buSzPct val="100000"/>
         <a:buFont typeface="Arial" panose="020B0604020202020204" pitchFamily="34" charset="0"/>
         <a:buChar char="•"/>
-        <a:defRPr sz="1800" kern="1200">
+        <a:defRPr sz="1200" kern="1200">
           <a:solidFill>
             <a:schemeClr val="tx1"/>
           </a:solidFill>
+          <a:effectLst/>
           <a:latin typeface="+mn-lt"/>
           <a:ea typeface="+mn-ea"/>
           <a:cs typeface="+mn-cs"/>
@@ -3134,17 +3418,22 @@
       </a:lvl5pPr>
       <a:lvl6pPr marL="2514600" indent="-228600" algn="l" defTabSz="914400" rtl="0" eaLnBrk="1" latinLnBrk="0" hangingPunct="1">
         <a:lnSpc>
-          <a:spcPct val="90000"/>
+          <a:spcPct val="120000"/>
         </a:lnSpc>
         <a:spcBef>
           <a:spcPts val="500"/>
         </a:spcBef>
+        <a:buClr>
+          <a:schemeClr val="accent1"/>
+        </a:buClr>
+        <a:buSzPct val="100000"/>
         <a:buFont typeface="Arial" panose="020B0604020202020204" pitchFamily="34" charset="0"/>
         <a:buChar char="•"/>
-        <a:defRPr sz="1800" kern="1200">
+        <a:defRPr sz="1200" kern="1200">
           <a:solidFill>
             <a:schemeClr val="tx1"/>
           </a:solidFill>
+          <a:effectLst/>
           <a:latin typeface="+mn-lt"/>
           <a:ea typeface="+mn-ea"/>
           <a:cs typeface="+mn-cs"/>
@@ -3152,17 +3441,22 @@
       </a:lvl6pPr>
       <a:lvl7pPr marL="2971800" indent="-228600" algn="l" defTabSz="914400" rtl="0" eaLnBrk="1" latinLnBrk="0" hangingPunct="1">
         <a:lnSpc>
-          <a:spcPct val="90000"/>
+          <a:spcPct val="120000"/>
         </a:lnSpc>
         <a:spcBef>
           <a:spcPts val="500"/>
         </a:spcBef>
+        <a:buClr>
+          <a:schemeClr val="accent1"/>
+        </a:buClr>
+        <a:buSzPct val="100000"/>
         <a:buFont typeface="Arial" panose="020B0604020202020204" pitchFamily="34" charset="0"/>
         <a:buChar char="•"/>
-        <a:defRPr sz="1800" kern="1200">
+        <a:defRPr sz="1200" kern="1200">
           <a:solidFill>
             <a:schemeClr val="tx1"/>
           </a:solidFill>
+          <a:effectLst/>
           <a:latin typeface="+mn-lt"/>
           <a:ea typeface="+mn-ea"/>
           <a:cs typeface="+mn-cs"/>
@@ -3170,17 +3464,22 @@
       </a:lvl7pPr>
       <a:lvl8pPr marL="3429000" indent="-228600" algn="l" defTabSz="914400" rtl="0" eaLnBrk="1" latinLnBrk="0" hangingPunct="1">
         <a:lnSpc>
-          <a:spcPct val="90000"/>
+          <a:spcPct val="120000"/>
         </a:lnSpc>
         <a:spcBef>
           <a:spcPts val="500"/>
         </a:spcBef>
+        <a:buClr>
+          <a:schemeClr val="accent1"/>
+        </a:buClr>
+        <a:buSzPct val="100000"/>
         <a:buFont typeface="Arial" panose="020B0604020202020204" pitchFamily="34" charset="0"/>
         <a:buChar char="•"/>
-        <a:defRPr sz="1800" kern="1200">
+        <a:defRPr sz="1200" kern="1200" baseline="0">
           <a:solidFill>
             <a:schemeClr val="tx1"/>
           </a:solidFill>
+          <a:effectLst/>
           <a:latin typeface="+mn-lt"/>
           <a:ea typeface="+mn-ea"/>
           <a:cs typeface="+mn-cs"/>
@@ -3188,17 +3487,22 @@
       </a:lvl8pPr>
       <a:lvl9pPr marL="3886200" indent="-228600" algn="l" defTabSz="914400" rtl="0" eaLnBrk="1" latinLnBrk="0" hangingPunct="1">
         <a:lnSpc>
-          <a:spcPct val="90000"/>
+          <a:spcPct val="120000"/>
         </a:lnSpc>
         <a:spcBef>
           <a:spcPts val="500"/>
         </a:spcBef>
+        <a:buClr>
+          <a:schemeClr val="accent1"/>
+        </a:buClr>
+        <a:buSzPct val="100000"/>
         <a:buFont typeface="Arial" panose="020B0604020202020204" pitchFamily="34" charset="0"/>
         <a:buChar char="•"/>
-        <a:defRPr sz="1800" kern="1200">
+        <a:defRPr sz="1200" kern="1200" baseline="0">
           <a:solidFill>
             <a:schemeClr val="tx1"/>
           </a:solidFill>
+          <a:effectLst/>
           <a:latin typeface="+mn-lt"/>
           <a:ea typeface="+mn-ea"/>
           <a:cs typeface="+mn-cs"/>
@@ -3339,14 +3643,15 @@
         </p:nvSpPr>
         <p:spPr/>
         <p:txBody>
-          <a:bodyPr/>
-          <a:lstStyle/>
-          <a:p>
-            <a:r>
-              <a:rPr lang="en-US"/>
+          <a:bodyPr>
+            <a:normAutofit fontScale="90000"/>
+          </a:bodyPr>
+          <a:lstStyle/>
+          <a:p>
+            <a:r>
+              <a:rPr lang="en-US" dirty="0"/>
               <a:t>Mask Wearing vs Covid Development Per Region</a:t>
             </a:r>
-            <a:endParaRPr lang="en-US" dirty="0"/>
           </a:p>
         </p:txBody>
       </p:sp>
@@ -3371,7 +3676,18 @@
           <a:bodyPr/>
           <a:lstStyle/>
           <a:p>
-            <a:endParaRPr lang="en-US"/>
+            <a:r>
+              <a:rPr lang="en-US" dirty="0"/>
+              <a:t>David </a:t>
+            </a:r>
+            <a:r>
+              <a:rPr lang="en-US" dirty="0" err="1"/>
+              <a:t>Alade</a:t>
+            </a:r>
+            <a:r>
+              <a:rPr lang="en-US" dirty="0"/>
+              <a:t> &amp; Uchenna Aduaka</a:t>
+            </a:r>
           </a:p>
         </p:txBody>
       </p:sp>
@@ -3388,10 +3704,1655 @@
 </p:sld>
 </file>
 
+<file path=ppt/slides/slide2.xml><?xml version="1.0" encoding="utf-8"?>
+<p:sld xmlns:a="http://schemas.openxmlformats.org/drawingml/2006/main" xmlns:r="http://schemas.openxmlformats.org/officeDocument/2006/relationships" xmlns:p="http://schemas.openxmlformats.org/presentationml/2006/main">
+  <p:cSld>
+    <p:spTree>
+      <p:nvGrpSpPr>
+        <p:cNvPr id="1" name=""/>
+        <p:cNvGrpSpPr/>
+        <p:nvPr/>
+      </p:nvGrpSpPr>
+      <p:grpSpPr>
+        <a:xfrm>
+          <a:off x="0" y="0"/>
+          <a:ext cx="0" cy="0"/>
+          <a:chOff x="0" y="0"/>
+          <a:chExt cx="0" cy="0"/>
+        </a:xfrm>
+      </p:grpSpPr>
+      <p:sp>
+        <p:nvSpPr>
+          <p:cNvPr id="2" name="Title 1">
+            <a:extLst>
+              <a:ext uri="{FF2B5EF4-FFF2-40B4-BE49-F238E27FC236}">
+                <a16:creationId xmlns:a16="http://schemas.microsoft.com/office/drawing/2014/main" id="{A4C859D7-9537-A944-ADA8-095DD8A8D991}"/>
+              </a:ext>
+            </a:extLst>
+          </p:cNvPr>
+          <p:cNvSpPr>
+            <a:spLocks noGrp="1"/>
+          </p:cNvSpPr>
+          <p:nvPr>
+            <p:ph type="title"/>
+          </p:nvPr>
+        </p:nvSpPr>
+        <p:spPr/>
+        <p:txBody>
+          <a:bodyPr/>
+          <a:lstStyle/>
+          <a:p>
+            <a:pPr algn="ctr"/>
+            <a:r>
+              <a:rPr lang="en-US" dirty="0"/>
+              <a:t>Background</a:t>
+            </a:r>
+          </a:p>
+        </p:txBody>
+      </p:sp>
+      <p:sp>
+        <p:nvSpPr>
+          <p:cNvPr id="4" name="Content Placeholder 3">
+            <a:extLst>
+              <a:ext uri="{FF2B5EF4-FFF2-40B4-BE49-F238E27FC236}">
+                <a16:creationId xmlns:a16="http://schemas.microsoft.com/office/drawing/2014/main" id="{A18998B3-D182-BB4A-9E1E-3DA37648835C}"/>
+              </a:ext>
+            </a:extLst>
+          </p:cNvPr>
+          <p:cNvSpPr>
+            <a:spLocks noGrp="1"/>
+          </p:cNvSpPr>
+          <p:nvPr>
+            <p:ph idx="1"/>
+          </p:nvPr>
+        </p:nvSpPr>
+        <p:spPr/>
+        <p:txBody>
+          <a:bodyPr>
+            <a:normAutofit fontScale="92500" lnSpcReduction="20000"/>
+          </a:bodyPr>
+          <a:lstStyle/>
+          <a:p>
+            <a:r>
+              <a:rPr lang="en-US" sz="2400" dirty="0"/>
+              <a:t>Coronavirus disease (COVID-19) is an infectious disease that has ravaged the world over the past year</a:t>
+            </a:r>
+          </a:p>
+          <a:p>
+            <a:endParaRPr lang="en-US" sz="2400" dirty="0"/>
+          </a:p>
+          <a:p>
+            <a:r>
+              <a:rPr lang="en-US" sz="2400" dirty="0"/>
+              <a:t>Scientists have since been studying ways to slow down and prevent the spread of COVID-19</a:t>
+            </a:r>
+          </a:p>
+          <a:p>
+            <a:endParaRPr lang="en-US" sz="2400" dirty="0"/>
+          </a:p>
+          <a:p>
+            <a:r>
+              <a:rPr lang="en-US" sz="2400" dirty="0"/>
+              <a:t>Scientists have recommended that social distancing of at least up to 6 feet and mask wearing as ways to </a:t>
+            </a:r>
+          </a:p>
+        </p:txBody>
+      </p:sp>
+    </p:spTree>
+    <p:extLst>
+      <p:ext uri="{BB962C8B-B14F-4D97-AF65-F5344CB8AC3E}">
+        <p14:creationId xmlns:p14="http://schemas.microsoft.com/office/powerpoint/2010/main" val="2173471481"/>
+      </p:ext>
+    </p:extLst>
+  </p:cSld>
+  <p:clrMapOvr>
+    <a:masterClrMapping/>
+  </p:clrMapOvr>
+</p:sld>
+</file>
+
+<file path=ppt/slides/slide3.xml><?xml version="1.0" encoding="utf-8"?>
+<p:sld xmlns:a="http://schemas.openxmlformats.org/drawingml/2006/main" xmlns:r="http://schemas.openxmlformats.org/officeDocument/2006/relationships" xmlns:p="http://schemas.openxmlformats.org/presentationml/2006/main">
+  <p:cSld>
+    <p:spTree>
+      <p:nvGrpSpPr>
+        <p:cNvPr id="1" name=""/>
+        <p:cNvGrpSpPr/>
+        <p:nvPr/>
+      </p:nvGrpSpPr>
+      <p:grpSpPr>
+        <a:xfrm>
+          <a:off x="0" y="0"/>
+          <a:ext cx="0" cy="0"/>
+          <a:chOff x="0" y="0"/>
+          <a:chExt cx="0" cy="0"/>
+        </a:xfrm>
+      </p:grpSpPr>
+      <p:sp>
+        <p:nvSpPr>
+          <p:cNvPr id="2" name="Title 1">
+            <a:extLst>
+              <a:ext uri="{FF2B5EF4-FFF2-40B4-BE49-F238E27FC236}">
+                <a16:creationId xmlns:a16="http://schemas.microsoft.com/office/drawing/2014/main" id="{A4C859D7-9537-A944-ADA8-095DD8A8D991}"/>
+              </a:ext>
+            </a:extLst>
+          </p:cNvPr>
+          <p:cNvSpPr>
+            <a:spLocks noGrp="1"/>
+          </p:cNvSpPr>
+          <p:nvPr>
+            <p:ph type="title"/>
+          </p:nvPr>
+        </p:nvSpPr>
+        <p:spPr/>
+        <p:txBody>
+          <a:bodyPr/>
+          <a:lstStyle/>
+          <a:p>
+            <a:pPr algn="ctr"/>
+            <a:r>
+              <a:rPr lang="en-US" dirty="0"/>
+              <a:t>THE problem</a:t>
+            </a:r>
+          </a:p>
+        </p:txBody>
+      </p:sp>
+      <p:sp>
+        <p:nvSpPr>
+          <p:cNvPr id="4" name="Content Placeholder 3">
+            <a:extLst>
+              <a:ext uri="{FF2B5EF4-FFF2-40B4-BE49-F238E27FC236}">
+                <a16:creationId xmlns:a16="http://schemas.microsoft.com/office/drawing/2014/main" id="{A18998B3-D182-BB4A-9E1E-3DA37648835C}"/>
+              </a:ext>
+            </a:extLst>
+          </p:cNvPr>
+          <p:cNvSpPr>
+            <a:spLocks noGrp="1"/>
+          </p:cNvSpPr>
+          <p:nvPr>
+            <p:ph idx="1"/>
+          </p:nvPr>
+        </p:nvSpPr>
+        <p:spPr/>
+        <p:txBody>
+          <a:bodyPr>
+            <a:normAutofit lnSpcReduction="10000"/>
+          </a:bodyPr>
+          <a:lstStyle/>
+          <a:p>
+            <a:r>
+              <a:rPr lang="en-US" dirty="0"/>
+              <a:t>Many countries have implemented strict COVID-19 restrictions while many others have had very relaxed COVID-19 restrictions</a:t>
+            </a:r>
+          </a:p>
+          <a:p>
+            <a:endParaRPr lang="en-US" dirty="0"/>
+          </a:p>
+          <a:p>
+            <a:r>
+              <a:rPr lang="en-US" dirty="0"/>
+              <a:t>We wanted to answer what is the correlation of regions who have high compliance to COVID-19 restrictions vs those who do not</a:t>
+            </a:r>
+          </a:p>
+          <a:p>
+            <a:endParaRPr lang="en-US" dirty="0"/>
+          </a:p>
+          <a:p>
+            <a:r>
+              <a:rPr lang="en-US" dirty="0"/>
+              <a:t>We were given access to the data that was provided and we proceeded to answer the questions</a:t>
+            </a:r>
+          </a:p>
+        </p:txBody>
+      </p:sp>
+    </p:spTree>
+    <p:extLst>
+      <p:ext uri="{BB962C8B-B14F-4D97-AF65-F5344CB8AC3E}">
+        <p14:creationId xmlns:p14="http://schemas.microsoft.com/office/powerpoint/2010/main" val="1912674347"/>
+      </p:ext>
+    </p:extLst>
+  </p:cSld>
+  <p:clrMapOvr>
+    <a:masterClrMapping/>
+  </p:clrMapOvr>
+</p:sld>
+</file>
+
+<file path=ppt/slides/slide4.xml><?xml version="1.0" encoding="utf-8"?>
+<p:sld xmlns:a="http://schemas.openxmlformats.org/drawingml/2006/main" xmlns:r="http://schemas.openxmlformats.org/officeDocument/2006/relationships" xmlns:p="http://schemas.openxmlformats.org/presentationml/2006/main">
+  <p:cSld>
+    <p:bg>
+      <p:bgPr>
+        <a:gradFill rotWithShape="1">
+          <a:gsLst>
+            <a:gs pos="0">
+              <a:schemeClr val="bg2">
+                <a:tint val="94000"/>
+                <a:satMod val="80000"/>
+                <a:lumMod val="106000"/>
+              </a:schemeClr>
+            </a:gs>
+            <a:gs pos="100000">
+              <a:schemeClr val="bg2">
+                <a:shade val="80000"/>
+              </a:schemeClr>
+            </a:gs>
+          </a:gsLst>
+          <a:path path="circle">
+            <a:fillToRect l="43000" r="43000" b="100000"/>
+          </a:path>
+        </a:gradFill>
+        <a:effectLst/>
+      </p:bgPr>
+    </p:bg>
+    <p:spTree>
+      <p:nvGrpSpPr>
+        <p:cNvPr id="1" name=""/>
+        <p:cNvGrpSpPr/>
+        <p:nvPr/>
+      </p:nvGrpSpPr>
+      <p:grpSpPr>
+        <a:xfrm>
+          <a:off x="0" y="0"/>
+          <a:ext cx="0" cy="0"/>
+          <a:chOff x="0" y="0"/>
+          <a:chExt cx="0" cy="0"/>
+        </a:xfrm>
+      </p:grpSpPr>
+      <p:sp>
+        <p:nvSpPr>
+          <p:cNvPr id="11" name="Rectangle 10">
+            <a:extLst>
+              <a:ext uri="{FF2B5EF4-FFF2-40B4-BE49-F238E27FC236}">
+                <a16:creationId xmlns:a16="http://schemas.microsoft.com/office/drawing/2014/main" id="{0CABCAE3-64FC-4149-819F-2C1812824154}"/>
+              </a:ext>
+              <a:ext uri="{C183D7F6-B498-43B3-948B-1728B52AA6E4}">
+                <adec:decorative xmlns:adec="http://schemas.microsoft.com/office/drawing/2017/decorative" val="1"/>
+              </a:ext>
+            </a:extLst>
+          </p:cNvPr>
+          <p:cNvSpPr>
+            <a:spLocks noGrp="1" noRot="1" noChangeAspect="1" noMove="1" noResize="1" noEditPoints="1" noAdjustHandles="1" noChangeArrowheads="1" noChangeShapeType="1" noTextEdit="1"/>
+          </p:cNvSpPr>
+          <p:nvPr>
+            <p:extLst>
+              <p:ext uri="{386F3935-93C4-4BCD-93E2-E3B085C9AB24}">
+                <p16:designElem xmlns:p16="http://schemas.microsoft.com/office/powerpoint/2015/main" val="1"/>
+              </p:ext>
+            </p:extLst>
+          </p:nvPr>
+        </p:nvSpPr>
+        <p:spPr>
+          <a:xfrm>
+            <a:off x="0" y="2019476"/>
+            <a:ext cx="12192000" cy="4105941"/>
+          </a:xfrm>
+          <a:prstGeom prst="rect">
+            <a:avLst/>
+          </a:prstGeom>
+          <a:gradFill flip="none" rotWithShape="1">
+            <a:gsLst>
+              <a:gs pos="0">
+                <a:schemeClr val="bg2">
+                  <a:alpha val="0"/>
+                </a:schemeClr>
+              </a:gs>
+              <a:gs pos="100000">
+                <a:schemeClr val="bg2"/>
+              </a:gs>
+            </a:gsLst>
+            <a:lin ang="5400000" scaled="0"/>
+            <a:tileRect/>
+          </a:gradFill>
+          <a:ln>
+            <a:noFill/>
+          </a:ln>
+        </p:spPr>
+        <p:style>
+          <a:lnRef idx="2">
+            <a:schemeClr val="accent1">
+              <a:shade val="50000"/>
+            </a:schemeClr>
+          </a:lnRef>
+          <a:fillRef idx="1">
+            <a:schemeClr val="accent1"/>
+          </a:fillRef>
+          <a:effectRef idx="0">
+            <a:schemeClr val="accent1"/>
+          </a:effectRef>
+          <a:fontRef idx="minor">
+            <a:schemeClr val="lt1"/>
+          </a:fontRef>
+        </p:style>
+      </p:sp>
+      <p:pic>
+        <p:nvPicPr>
+          <p:cNvPr id="13" name="Picture 12">
+            <a:extLst>
+              <a:ext uri="{FF2B5EF4-FFF2-40B4-BE49-F238E27FC236}">
+                <a16:creationId xmlns:a16="http://schemas.microsoft.com/office/drawing/2014/main" id="{012FDCFE-9AD2-4D8A-8CBF-B3AA37EBF6DD}"/>
+              </a:ext>
+              <a:ext uri="{C183D7F6-B498-43B3-948B-1728B52AA6E4}">
+                <adec:decorative xmlns:adec="http://schemas.microsoft.com/office/drawing/2017/decorative" val="1"/>
+              </a:ext>
+            </a:extLst>
+          </p:cNvPr>
+          <p:cNvPicPr>
+            <a:picLocks noGrp="1" noRot="1" noChangeAspect="1" noMove="1" noResize="1" noEditPoints="1" noAdjustHandles="1" noChangeArrowheads="1" noChangeShapeType="1" noCrop="1"/>
+          </p:cNvPicPr>
+          <p:nvPr>
+            <p:extLst>
+              <p:ext uri="{386F3935-93C4-4BCD-93E2-E3B085C9AB24}">
+                <p16:designElem xmlns:p16="http://schemas.microsoft.com/office/powerpoint/2015/main" val="1"/>
+              </p:ext>
+            </p:extLst>
+          </p:nvPr>
+        </p:nvPicPr>
+        <p:blipFill rotWithShape="1">
+          <a:blip r:embed="rId2">
+            <a:extLst>
+              <a:ext uri="{28A0092B-C50C-407E-A947-70E740481C1C}">
+                <a14:useLocalDpi xmlns:a14="http://schemas.microsoft.com/office/drawing/2010/main" val="0"/>
+              </a:ext>
+            </a:extLst>
+          </a:blip>
+          <a:srcRect t="1538" b="-1538"/>
+          <a:stretch/>
+        </p:blipFill>
+        <p:spPr bwMode="black">
+          <a:xfrm>
+            <a:off x="0" y="6126480"/>
+            <a:ext cx="12192000" cy="742950"/>
+          </a:xfrm>
+          <a:prstGeom prst="rect">
+            <a:avLst/>
+          </a:prstGeom>
+        </p:spPr>
+      </p:pic>
+      <p:cxnSp>
+        <p:nvCxnSpPr>
+          <p:cNvPr id="15" name="Straight Connector 14">
+            <a:extLst>
+              <a:ext uri="{FF2B5EF4-FFF2-40B4-BE49-F238E27FC236}">
+                <a16:creationId xmlns:a16="http://schemas.microsoft.com/office/drawing/2014/main" id="{FBD463FC-4CA8-4FF4-85A3-AF9F4B98D210}"/>
+              </a:ext>
+              <a:ext uri="{C183D7F6-B498-43B3-948B-1728B52AA6E4}">
+                <adec:decorative xmlns:adec="http://schemas.microsoft.com/office/drawing/2017/decorative" val="1"/>
+              </a:ext>
+            </a:extLst>
+          </p:cNvPr>
+          <p:cNvCxnSpPr>
+            <a:cxnSpLocks noGrp="1" noRot="1" noChangeAspect="1" noMove="1" noResize="1" noEditPoints="1" noAdjustHandles="1" noChangeArrowheads="1" noChangeShapeType="1"/>
+          </p:cNvCxnSpPr>
+          <p:nvPr>
+            <p:extLst>
+              <p:ext uri="{386F3935-93C4-4BCD-93E2-E3B085C9AB24}">
+                <p16:designElem xmlns:p16="http://schemas.microsoft.com/office/powerpoint/2015/main" val="1"/>
+              </p:ext>
+            </p:extLst>
+          </p:nvPr>
+        </p:nvCxnSpPr>
+        <p:spPr>
+          <a:xfrm>
+            <a:off x="0" y="6128413"/>
+            <a:ext cx="12192000" cy="0"/>
+          </a:xfrm>
+          <a:prstGeom prst="line">
+            <a:avLst/>
+          </a:prstGeom>
+          <a:ln w="12700">
+            <a:solidFill>
+              <a:srgbClr val="000001">
+                <a:alpha val="20000"/>
+              </a:srgbClr>
+            </a:solidFill>
+          </a:ln>
+        </p:spPr>
+        <p:style>
+          <a:lnRef idx="1">
+            <a:schemeClr val="accent1"/>
+          </a:lnRef>
+          <a:fillRef idx="0">
+            <a:schemeClr val="accent1"/>
+          </a:fillRef>
+          <a:effectRef idx="0">
+            <a:schemeClr val="accent1"/>
+          </a:effectRef>
+          <a:fontRef idx="minor">
+            <a:schemeClr val="tx1"/>
+          </a:fontRef>
+        </p:style>
+      </p:cxnSp>
+      <p:cxnSp>
+        <p:nvCxnSpPr>
+          <p:cNvPr id="17" name="Straight Connector 16">
+            <a:extLst>
+              <a:ext uri="{FF2B5EF4-FFF2-40B4-BE49-F238E27FC236}">
+                <a16:creationId xmlns:a16="http://schemas.microsoft.com/office/drawing/2014/main" id="{A56012FD-74A8-4C91-B318-435CF2B71927}"/>
+              </a:ext>
+              <a:ext uri="{C183D7F6-B498-43B3-948B-1728B52AA6E4}">
+                <adec:decorative xmlns:adec="http://schemas.microsoft.com/office/drawing/2017/decorative" val="1"/>
+              </a:ext>
+            </a:extLst>
+          </p:cNvPr>
+          <p:cNvCxnSpPr>
+            <a:cxnSpLocks noGrp="1" noRot="1" noChangeAspect="1" noMove="1" noResize="1" noEditPoints="1" noAdjustHandles="1" noChangeArrowheads="1" noChangeShapeType="1"/>
+          </p:cNvCxnSpPr>
+          <p:nvPr>
+            <p:extLst>
+              <p:ext uri="{386F3935-93C4-4BCD-93E2-E3B085C9AB24}">
+                <p16:designElem xmlns:p16="http://schemas.microsoft.com/office/powerpoint/2015/main" val="1"/>
+              </p:ext>
+            </p:extLst>
+          </p:nvPr>
+        </p:nvCxnSpPr>
+        <p:spPr>
+          <a:xfrm>
+            <a:off x="1453896" y="1847088"/>
+            <a:ext cx="9607522" cy="0"/>
+          </a:xfrm>
+          <a:prstGeom prst="line">
+            <a:avLst/>
+          </a:prstGeom>
+          <a:ln w="31750"/>
+        </p:spPr>
+        <p:style>
+          <a:lnRef idx="3">
+            <a:schemeClr val="accent1"/>
+          </a:lnRef>
+          <a:fillRef idx="0">
+            <a:schemeClr val="accent1"/>
+          </a:fillRef>
+          <a:effectRef idx="2">
+            <a:schemeClr val="accent1"/>
+          </a:effectRef>
+          <a:fontRef idx="minor">
+            <a:schemeClr val="tx1"/>
+          </a:fontRef>
+        </p:style>
+      </p:cxnSp>
+      <p:sp useBgFill="1">
+        <p:nvSpPr>
+          <p:cNvPr id="19" name="Rectangle 18">
+            <a:extLst>
+              <a:ext uri="{FF2B5EF4-FFF2-40B4-BE49-F238E27FC236}">
+                <a16:creationId xmlns:a16="http://schemas.microsoft.com/office/drawing/2014/main" id="{1C2A4B30-77D7-4FFB-8B53-A88BD68CABD2}"/>
+              </a:ext>
+              <a:ext uri="{C183D7F6-B498-43B3-948B-1728B52AA6E4}">
+                <adec:decorative xmlns:adec="http://schemas.microsoft.com/office/drawing/2017/decorative" val="1"/>
+              </a:ext>
+            </a:extLst>
+          </p:cNvPr>
+          <p:cNvSpPr>
+            <a:spLocks noGrp="1" noRot="1" noChangeAspect="1" noMove="1" noResize="1" noEditPoints="1" noAdjustHandles="1" noChangeArrowheads="1" noChangeShapeType="1" noTextEdit="1"/>
+          </p:cNvSpPr>
+          <p:nvPr>
+            <p:extLst>
+              <p:ext uri="{386F3935-93C4-4BCD-93E2-E3B085C9AB24}">
+                <p16:designElem xmlns:p16="http://schemas.microsoft.com/office/powerpoint/2015/main" val="1"/>
+              </p:ext>
+            </p:extLst>
+          </p:nvPr>
+        </p:nvSpPr>
+        <p:spPr>
+          <a:xfrm>
+            <a:off x="2" y="0"/>
+            <a:ext cx="12191695" cy="6858000"/>
+          </a:xfrm>
+          <a:prstGeom prst="rect">
+            <a:avLst/>
+          </a:prstGeom>
+          <a:ln>
+            <a:noFill/>
+          </a:ln>
+        </p:spPr>
+        <p:style>
+          <a:lnRef idx="2">
+            <a:schemeClr val="accent1">
+              <a:shade val="50000"/>
+            </a:schemeClr>
+          </a:lnRef>
+          <a:fillRef idx="1">
+            <a:schemeClr val="accent1"/>
+          </a:fillRef>
+          <a:effectRef idx="0">
+            <a:schemeClr val="accent1"/>
+          </a:effectRef>
+          <a:fontRef idx="minor">
+            <a:schemeClr val="lt1"/>
+          </a:fontRef>
+        </p:style>
+        <p:txBody>
+          <a:bodyPr rtlCol="0" anchor="ctr"/>
+          <a:lstStyle/>
+          <a:p>
+            <a:pPr algn="ctr"/>
+            <a:endParaRPr lang="en-US"/>
+          </a:p>
+        </p:txBody>
+      </p:sp>
+      <p:sp>
+        <p:nvSpPr>
+          <p:cNvPr id="2" name="Title 1">
+            <a:extLst>
+              <a:ext uri="{FF2B5EF4-FFF2-40B4-BE49-F238E27FC236}">
+                <a16:creationId xmlns:a16="http://schemas.microsoft.com/office/drawing/2014/main" id="{A4C859D7-9537-A944-ADA8-095DD8A8D991}"/>
+              </a:ext>
+            </a:extLst>
+          </p:cNvPr>
+          <p:cNvSpPr>
+            <a:spLocks noGrp="1"/>
+          </p:cNvSpPr>
+          <p:nvPr>
+            <p:ph type="title"/>
+          </p:nvPr>
+        </p:nvSpPr>
+        <p:spPr>
+          <a:xfrm>
+            <a:off x="1451580" y="804519"/>
+            <a:ext cx="4325112" cy="1049235"/>
+          </a:xfrm>
+        </p:spPr>
+        <p:txBody>
+          <a:bodyPr vert="horz" lIns="91440" tIns="45720" rIns="91440" bIns="45720" rtlCol="0" anchor="t">
+            <a:normAutofit/>
+          </a:bodyPr>
+          <a:lstStyle/>
+          <a:p>
+            <a:r>
+              <a:rPr lang="en-US" sz="2400"/>
+              <a:t>Methodology/Approach</a:t>
+            </a:r>
+          </a:p>
+        </p:txBody>
+      </p:sp>
+      <p:cxnSp>
+        <p:nvCxnSpPr>
+          <p:cNvPr id="21" name="Straight Connector 20">
+            <a:extLst>
+              <a:ext uri="{FF2B5EF4-FFF2-40B4-BE49-F238E27FC236}">
+                <a16:creationId xmlns:a16="http://schemas.microsoft.com/office/drawing/2014/main" id="{373AAE2E-5D6B-4952-A4BB-546C49F8DE4B}"/>
+              </a:ext>
+              <a:ext uri="{C183D7F6-B498-43B3-948B-1728B52AA6E4}">
+                <adec:decorative xmlns:adec="http://schemas.microsoft.com/office/drawing/2017/decorative" val="1"/>
+              </a:ext>
+            </a:extLst>
+          </p:cNvPr>
+          <p:cNvCxnSpPr>
+            <a:cxnSpLocks noGrp="1" noRot="1" noChangeAspect="1" noMove="1" noResize="1" noEditPoints="1" noAdjustHandles="1" noChangeArrowheads="1" noChangeShapeType="1"/>
+          </p:cNvCxnSpPr>
+          <p:nvPr>
+            <p:extLst>
+              <p:ext uri="{386F3935-93C4-4BCD-93E2-E3B085C9AB24}">
+                <p16:designElem xmlns:p16="http://schemas.microsoft.com/office/powerpoint/2015/main" val="1"/>
+              </p:ext>
+            </p:extLst>
+          </p:nvPr>
+        </p:nvCxnSpPr>
+        <p:spPr>
+          <a:xfrm>
+            <a:off x="1451579" y="1853754"/>
+            <a:ext cx="4325112" cy="0"/>
+          </a:xfrm>
+          <a:prstGeom prst="line">
+            <a:avLst/>
+          </a:prstGeom>
+          <a:ln w="31750"/>
+        </p:spPr>
+        <p:style>
+          <a:lnRef idx="3">
+            <a:schemeClr val="accent1"/>
+          </a:lnRef>
+          <a:fillRef idx="0">
+            <a:schemeClr val="accent1"/>
+          </a:fillRef>
+          <a:effectRef idx="2">
+            <a:schemeClr val="accent1"/>
+          </a:effectRef>
+          <a:fontRef idx="minor">
+            <a:schemeClr val="tx1"/>
+          </a:fontRef>
+        </p:style>
+      </p:cxnSp>
+      <p:sp>
+        <p:nvSpPr>
+          <p:cNvPr id="23" name="Rectangle 22">
+            <a:extLst>
+              <a:ext uri="{FF2B5EF4-FFF2-40B4-BE49-F238E27FC236}">
+                <a16:creationId xmlns:a16="http://schemas.microsoft.com/office/drawing/2014/main" id="{01E4D783-AD45-49E7-B6C7-BBACB8290688}"/>
+              </a:ext>
+              <a:ext uri="{C183D7F6-B498-43B3-948B-1728B52AA6E4}">
+                <adec:decorative xmlns:adec="http://schemas.microsoft.com/office/drawing/2017/decorative" val="1"/>
+              </a:ext>
+            </a:extLst>
+          </p:cNvPr>
+          <p:cNvSpPr>
+            <a:spLocks noGrp="1" noRot="1" noChangeAspect="1" noMove="1" noResize="1" noEditPoints="1" noAdjustHandles="1" noChangeArrowheads="1" noChangeShapeType="1" noTextEdit="1"/>
+          </p:cNvSpPr>
+          <p:nvPr>
+            <p:extLst>
+              <p:ext uri="{386F3935-93C4-4BCD-93E2-E3B085C9AB24}">
+                <p16:designElem xmlns:p16="http://schemas.microsoft.com/office/powerpoint/2015/main" val="1"/>
+              </p:ext>
+            </p:extLst>
+          </p:nvPr>
+        </p:nvSpPr>
+        <p:spPr>
+          <a:xfrm>
+            <a:off x="0" y="2019476"/>
+            <a:ext cx="12192000" cy="4838524"/>
+          </a:xfrm>
+          <a:prstGeom prst="rect">
+            <a:avLst/>
+          </a:prstGeom>
+          <a:gradFill flip="none" rotWithShape="1">
+            <a:gsLst>
+              <a:gs pos="0">
+                <a:schemeClr val="bg2">
+                  <a:alpha val="0"/>
+                </a:schemeClr>
+              </a:gs>
+              <a:gs pos="100000">
+                <a:schemeClr val="bg2"/>
+              </a:gs>
+            </a:gsLst>
+            <a:lin ang="5400000" scaled="0"/>
+            <a:tileRect/>
+          </a:gradFill>
+          <a:ln>
+            <a:noFill/>
+          </a:ln>
+        </p:spPr>
+        <p:style>
+          <a:lnRef idx="2">
+            <a:schemeClr val="accent1">
+              <a:shade val="50000"/>
+            </a:schemeClr>
+          </a:lnRef>
+          <a:fillRef idx="1">
+            <a:schemeClr val="accent1"/>
+          </a:fillRef>
+          <a:effectRef idx="0">
+            <a:schemeClr val="accent1"/>
+          </a:effectRef>
+          <a:fontRef idx="minor">
+            <a:schemeClr val="lt1"/>
+          </a:fontRef>
+        </p:style>
+        <p:txBody>
+          <a:bodyPr rtlCol="0" anchor="ctr"/>
+          <a:lstStyle/>
+          <a:p>
+            <a:pPr lvl="0" algn="ctr"/>
+            <a:endParaRPr lang="en-US"/>
+          </a:p>
+        </p:txBody>
+      </p:sp>
+      <p:sp>
+        <p:nvSpPr>
+          <p:cNvPr id="4" name="Content Placeholder 3">
+            <a:extLst>
+              <a:ext uri="{FF2B5EF4-FFF2-40B4-BE49-F238E27FC236}">
+                <a16:creationId xmlns:a16="http://schemas.microsoft.com/office/drawing/2014/main" id="{A18998B3-D182-BB4A-9E1E-3DA37648835C}"/>
+              </a:ext>
+            </a:extLst>
+          </p:cNvPr>
+          <p:cNvSpPr>
+            <a:spLocks noGrp="1"/>
+          </p:cNvSpPr>
+          <p:nvPr>
+            <p:ph sz="half" idx="1"/>
+          </p:nvPr>
+        </p:nvSpPr>
+        <p:spPr>
+          <a:xfrm>
+            <a:off x="1451579" y="2015732"/>
+            <a:ext cx="4325113" cy="4074172"/>
+          </a:xfrm>
+        </p:spPr>
+        <p:txBody>
+          <a:bodyPr vert="horz" lIns="91440" tIns="45720" rIns="91440" bIns="45720" rtlCol="0" anchor="t">
+            <a:normAutofit/>
+          </a:bodyPr>
+          <a:lstStyle/>
+          <a:p>
+            <a:pPr>
+              <a:lnSpc>
+                <a:spcPct val="110000"/>
+              </a:lnSpc>
+            </a:pPr>
+            <a:r>
+              <a:rPr lang="en-US" sz="1600" dirty="0"/>
+              <a:t>We utilized the pandas' libraries exclusively for the data analysis portion of the project</a:t>
+            </a:r>
+          </a:p>
+          <a:p>
+            <a:pPr>
+              <a:lnSpc>
+                <a:spcPct val="110000"/>
+              </a:lnSpc>
+            </a:pPr>
+            <a:endParaRPr lang="en-US" sz="1600" dirty="0"/>
+          </a:p>
+          <a:p>
+            <a:pPr>
+              <a:lnSpc>
+                <a:spcPct val="110000"/>
+              </a:lnSpc>
+            </a:pPr>
+            <a:r>
+              <a:rPr lang="en-US" sz="1600" dirty="0"/>
+              <a:t>We looked at 4 different regions and we proceeded to extract data from the API. From there we then mapped out two important variables</a:t>
+            </a:r>
+          </a:p>
+          <a:p>
+            <a:pPr>
+              <a:lnSpc>
+                <a:spcPct val="110000"/>
+              </a:lnSpc>
+            </a:pPr>
+            <a:endParaRPr lang="en-US" sz="1600" dirty="0"/>
+          </a:p>
+          <a:p>
+            <a:pPr>
+              <a:lnSpc>
+                <a:spcPct val="110000"/>
+              </a:lnSpc>
+            </a:pPr>
+            <a:r>
+              <a:rPr lang="en-US" sz="1600" dirty="0"/>
+              <a:t>We extracted the percent of mask compliance to represent COVID-19 restrictions and we then checked the percent of COVID-19 cases in those same regions</a:t>
+            </a:r>
+          </a:p>
+        </p:txBody>
+      </p:sp>
+      <p:pic>
+        <p:nvPicPr>
+          <p:cNvPr id="6" name="Content Placeholder 5" descr="Graphical user interface, application&#10;&#10;Description automatically generated">
+            <a:extLst>
+              <a:ext uri="{FF2B5EF4-FFF2-40B4-BE49-F238E27FC236}">
+                <a16:creationId xmlns:a16="http://schemas.microsoft.com/office/drawing/2014/main" id="{19164FC8-F8EC-B549-97B6-68738FEAB69A}"/>
+              </a:ext>
+            </a:extLst>
+          </p:cNvPr>
+          <p:cNvPicPr>
+            <a:picLocks noGrp="1" noChangeAspect="1"/>
+          </p:cNvPicPr>
+          <p:nvPr>
+            <p:ph sz="half" idx="2"/>
+          </p:nvPr>
+        </p:nvPicPr>
+        <p:blipFill>
+          <a:blip r:embed="rId3"/>
+          <a:stretch>
+            <a:fillRect/>
+          </a:stretch>
+        </p:blipFill>
+        <p:spPr>
+          <a:xfrm>
+            <a:off x="6602319" y="804519"/>
+            <a:ext cx="4267946" cy="5285385"/>
+          </a:xfrm>
+          <a:prstGeom prst="rect">
+            <a:avLst/>
+          </a:prstGeom>
+        </p:spPr>
+      </p:pic>
+    </p:spTree>
+    <p:extLst>
+      <p:ext uri="{BB962C8B-B14F-4D97-AF65-F5344CB8AC3E}">
+        <p14:creationId xmlns:p14="http://schemas.microsoft.com/office/powerpoint/2010/main" val="3763545946"/>
+      </p:ext>
+    </p:extLst>
+  </p:cSld>
+  <p:clrMapOvr>
+    <a:masterClrMapping/>
+  </p:clrMapOvr>
+</p:sld>
+</file>
+
+<file path=ppt/slides/slide5.xml><?xml version="1.0" encoding="utf-8"?>
+<p:sld xmlns:a="http://schemas.openxmlformats.org/drawingml/2006/main" xmlns:r="http://schemas.openxmlformats.org/officeDocument/2006/relationships" xmlns:p="http://schemas.openxmlformats.org/presentationml/2006/main">
+  <p:cSld>
+    <p:bg>
+      <p:bgPr>
+        <a:gradFill rotWithShape="1">
+          <a:gsLst>
+            <a:gs pos="0">
+              <a:schemeClr val="bg2">
+                <a:tint val="94000"/>
+                <a:satMod val="80000"/>
+                <a:lumMod val="106000"/>
+              </a:schemeClr>
+            </a:gs>
+            <a:gs pos="100000">
+              <a:schemeClr val="bg2">
+                <a:shade val="80000"/>
+              </a:schemeClr>
+            </a:gs>
+          </a:gsLst>
+          <a:path path="circle">
+            <a:fillToRect l="43000" r="43000" b="100000"/>
+          </a:path>
+        </a:gradFill>
+        <a:effectLst/>
+      </p:bgPr>
+    </p:bg>
+    <p:spTree>
+      <p:nvGrpSpPr>
+        <p:cNvPr id="1" name=""/>
+        <p:cNvGrpSpPr/>
+        <p:nvPr/>
+      </p:nvGrpSpPr>
+      <p:grpSpPr>
+        <a:xfrm>
+          <a:off x="0" y="0"/>
+          <a:ext cx="0" cy="0"/>
+          <a:chOff x="0" y="0"/>
+          <a:chExt cx="0" cy="0"/>
+        </a:xfrm>
+      </p:grpSpPr>
+      <p:sp>
+        <p:nvSpPr>
+          <p:cNvPr id="50" name="Rectangle 27">
+            <a:extLst>
+              <a:ext uri="{FF2B5EF4-FFF2-40B4-BE49-F238E27FC236}">
+                <a16:creationId xmlns:a16="http://schemas.microsoft.com/office/drawing/2014/main" id="{EEA869E1-F851-4A52-92F5-77E592B76A5B}"/>
+              </a:ext>
+              <a:ext uri="{C183D7F6-B498-43B3-948B-1728B52AA6E4}">
+                <adec:decorative xmlns:adec="http://schemas.microsoft.com/office/drawing/2017/decorative" val="1"/>
+              </a:ext>
+            </a:extLst>
+          </p:cNvPr>
+          <p:cNvSpPr>
+            <a:spLocks noGrp="1" noRot="1" noChangeAspect="1" noMove="1" noResize="1" noEditPoints="1" noAdjustHandles="1" noChangeArrowheads="1" noChangeShapeType="1" noTextEdit="1"/>
+          </p:cNvSpPr>
+          <p:nvPr>
+            <p:extLst>
+              <p:ext uri="{386F3935-93C4-4BCD-93E2-E3B085C9AB24}">
+                <p16:designElem xmlns:p16="http://schemas.microsoft.com/office/powerpoint/2015/main" val="1"/>
+              </p:ext>
+            </p:extLst>
+          </p:nvPr>
+        </p:nvSpPr>
+        <p:spPr>
+          <a:xfrm>
+            <a:off x="0" y="2019476"/>
+            <a:ext cx="12192000" cy="4105941"/>
+          </a:xfrm>
+          <a:prstGeom prst="rect">
+            <a:avLst/>
+          </a:prstGeom>
+          <a:gradFill flip="none" rotWithShape="1">
+            <a:gsLst>
+              <a:gs pos="0">
+                <a:schemeClr val="bg2">
+                  <a:alpha val="0"/>
+                </a:schemeClr>
+              </a:gs>
+              <a:gs pos="100000">
+                <a:schemeClr val="bg2"/>
+              </a:gs>
+            </a:gsLst>
+            <a:lin ang="5400000" scaled="0"/>
+            <a:tileRect/>
+          </a:gradFill>
+          <a:ln>
+            <a:noFill/>
+          </a:ln>
+        </p:spPr>
+        <p:style>
+          <a:lnRef idx="2">
+            <a:schemeClr val="accent1">
+              <a:shade val="50000"/>
+            </a:schemeClr>
+          </a:lnRef>
+          <a:fillRef idx="1">
+            <a:schemeClr val="accent1"/>
+          </a:fillRef>
+          <a:effectRef idx="0">
+            <a:schemeClr val="accent1"/>
+          </a:effectRef>
+          <a:fontRef idx="minor">
+            <a:schemeClr val="lt1"/>
+          </a:fontRef>
+        </p:style>
+      </p:sp>
+      <p:pic>
+        <p:nvPicPr>
+          <p:cNvPr id="51" name="Picture 29">
+            <a:extLst>
+              <a:ext uri="{FF2B5EF4-FFF2-40B4-BE49-F238E27FC236}">
+                <a16:creationId xmlns:a16="http://schemas.microsoft.com/office/drawing/2014/main" id="{B083AD55-8296-44BD-8E14-DD2DDBC351B0}"/>
+              </a:ext>
+              <a:ext uri="{C183D7F6-B498-43B3-948B-1728B52AA6E4}">
+                <adec:decorative xmlns:adec="http://schemas.microsoft.com/office/drawing/2017/decorative" val="1"/>
+              </a:ext>
+            </a:extLst>
+          </p:cNvPr>
+          <p:cNvPicPr>
+            <a:picLocks noGrp="1" noRot="1" noChangeAspect="1" noMove="1" noResize="1" noEditPoints="1" noAdjustHandles="1" noChangeArrowheads="1" noChangeShapeType="1" noCrop="1"/>
+          </p:cNvPicPr>
+          <p:nvPr>
+            <p:extLst>
+              <p:ext uri="{386F3935-93C4-4BCD-93E2-E3B085C9AB24}">
+                <p16:designElem xmlns:p16="http://schemas.microsoft.com/office/powerpoint/2015/main" val="1"/>
+              </p:ext>
+            </p:extLst>
+          </p:nvPr>
+        </p:nvPicPr>
+        <p:blipFill rotWithShape="1">
+          <a:blip r:embed="rId2">
+            <a:extLst>
+              <a:ext uri="{28A0092B-C50C-407E-A947-70E740481C1C}">
+                <a14:useLocalDpi xmlns:a14="http://schemas.microsoft.com/office/drawing/2010/main" val="0"/>
+              </a:ext>
+            </a:extLst>
+          </a:blip>
+          <a:srcRect t="1538" b="-1538"/>
+          <a:stretch/>
+        </p:blipFill>
+        <p:spPr bwMode="black">
+          <a:xfrm>
+            <a:off x="0" y="6126480"/>
+            <a:ext cx="12192000" cy="742950"/>
+          </a:xfrm>
+          <a:prstGeom prst="rect">
+            <a:avLst/>
+          </a:prstGeom>
+        </p:spPr>
+      </p:pic>
+      <p:cxnSp>
+        <p:nvCxnSpPr>
+          <p:cNvPr id="52" name="Straight Connector 31">
+            <a:extLst>
+              <a:ext uri="{FF2B5EF4-FFF2-40B4-BE49-F238E27FC236}">
+                <a16:creationId xmlns:a16="http://schemas.microsoft.com/office/drawing/2014/main" id="{2BF46B26-15FC-4C5A-94FA-AE9ED64B5C20}"/>
+              </a:ext>
+              <a:ext uri="{C183D7F6-B498-43B3-948B-1728B52AA6E4}">
+                <adec:decorative xmlns:adec="http://schemas.microsoft.com/office/drawing/2017/decorative" val="1"/>
+              </a:ext>
+            </a:extLst>
+          </p:cNvPr>
+          <p:cNvCxnSpPr>
+            <a:cxnSpLocks noGrp="1" noRot="1" noChangeAspect="1" noMove="1" noResize="1" noEditPoints="1" noAdjustHandles="1" noChangeArrowheads="1" noChangeShapeType="1"/>
+          </p:cNvCxnSpPr>
+          <p:nvPr>
+            <p:extLst>
+              <p:ext uri="{386F3935-93C4-4BCD-93E2-E3B085C9AB24}">
+                <p16:designElem xmlns:p16="http://schemas.microsoft.com/office/powerpoint/2015/main" val="1"/>
+              </p:ext>
+            </p:extLst>
+          </p:nvPr>
+        </p:nvCxnSpPr>
+        <p:spPr>
+          <a:xfrm>
+            <a:off x="0" y="6128413"/>
+            <a:ext cx="12192000" cy="0"/>
+          </a:xfrm>
+          <a:prstGeom prst="line">
+            <a:avLst/>
+          </a:prstGeom>
+          <a:ln w="12700">
+            <a:solidFill>
+              <a:srgbClr val="000001">
+                <a:alpha val="20000"/>
+              </a:srgbClr>
+            </a:solidFill>
+          </a:ln>
+        </p:spPr>
+        <p:style>
+          <a:lnRef idx="1">
+            <a:schemeClr val="accent1"/>
+          </a:lnRef>
+          <a:fillRef idx="0">
+            <a:schemeClr val="accent1"/>
+          </a:fillRef>
+          <a:effectRef idx="0">
+            <a:schemeClr val="accent1"/>
+          </a:effectRef>
+          <a:fontRef idx="minor">
+            <a:schemeClr val="tx1"/>
+          </a:fontRef>
+        </p:style>
+      </p:cxnSp>
+      <p:cxnSp>
+        <p:nvCxnSpPr>
+          <p:cNvPr id="53" name="Straight Connector 33">
+            <a:extLst>
+              <a:ext uri="{FF2B5EF4-FFF2-40B4-BE49-F238E27FC236}">
+                <a16:creationId xmlns:a16="http://schemas.microsoft.com/office/drawing/2014/main" id="{BADF1045-FC61-45F9-B214-2286C9675985}"/>
+              </a:ext>
+              <a:ext uri="{C183D7F6-B498-43B3-948B-1728B52AA6E4}">
+                <adec:decorative xmlns:adec="http://schemas.microsoft.com/office/drawing/2017/decorative" val="1"/>
+              </a:ext>
+            </a:extLst>
+          </p:cNvPr>
+          <p:cNvCxnSpPr>
+            <a:cxnSpLocks noGrp="1" noRot="1" noChangeAspect="1" noMove="1" noResize="1" noEditPoints="1" noAdjustHandles="1" noChangeArrowheads="1" noChangeShapeType="1"/>
+          </p:cNvCxnSpPr>
+          <p:nvPr>
+            <p:extLst>
+              <p:ext uri="{386F3935-93C4-4BCD-93E2-E3B085C9AB24}">
+                <p16:designElem xmlns:p16="http://schemas.microsoft.com/office/powerpoint/2015/main" val="1"/>
+              </p:ext>
+            </p:extLst>
+          </p:nvPr>
+        </p:nvCxnSpPr>
+        <p:spPr>
+          <a:xfrm>
+            <a:off x="1453896" y="1847088"/>
+            <a:ext cx="9607522" cy="0"/>
+          </a:xfrm>
+          <a:prstGeom prst="line">
+            <a:avLst/>
+          </a:prstGeom>
+          <a:ln w="31750"/>
+        </p:spPr>
+        <p:style>
+          <a:lnRef idx="3">
+            <a:schemeClr val="accent1"/>
+          </a:lnRef>
+          <a:fillRef idx="0">
+            <a:schemeClr val="accent1"/>
+          </a:fillRef>
+          <a:effectRef idx="2">
+            <a:schemeClr val="accent1"/>
+          </a:effectRef>
+          <a:fontRef idx="minor">
+            <a:schemeClr val="tx1"/>
+          </a:fontRef>
+        </p:style>
+      </p:cxnSp>
+      <p:sp useBgFill="1">
+        <p:nvSpPr>
+          <p:cNvPr id="54" name="Rectangle 35">
+            <a:extLst>
+              <a:ext uri="{FF2B5EF4-FFF2-40B4-BE49-F238E27FC236}">
+                <a16:creationId xmlns:a16="http://schemas.microsoft.com/office/drawing/2014/main" id="{EED2B910-B28F-4A54-B17C-8B7E5893AABB}"/>
+              </a:ext>
+              <a:ext uri="{C183D7F6-B498-43B3-948B-1728B52AA6E4}">
+                <adec:decorative xmlns:adec="http://schemas.microsoft.com/office/drawing/2017/decorative" val="1"/>
+              </a:ext>
+            </a:extLst>
+          </p:cNvPr>
+          <p:cNvSpPr>
+            <a:spLocks noGrp="1" noRot="1" noChangeAspect="1" noMove="1" noResize="1" noEditPoints="1" noAdjustHandles="1" noChangeArrowheads="1" noChangeShapeType="1" noTextEdit="1"/>
+          </p:cNvSpPr>
+          <p:nvPr>
+            <p:extLst>
+              <p:ext uri="{386F3935-93C4-4BCD-93E2-E3B085C9AB24}">
+                <p16:designElem xmlns:p16="http://schemas.microsoft.com/office/powerpoint/2015/main" val="1"/>
+              </p:ext>
+            </p:extLst>
+          </p:nvPr>
+        </p:nvSpPr>
+        <p:spPr>
+          <a:xfrm>
+            <a:off x="2" y="0"/>
+            <a:ext cx="12191695" cy="6858000"/>
+          </a:xfrm>
+          <a:prstGeom prst="rect">
+            <a:avLst/>
+          </a:prstGeom>
+          <a:ln>
+            <a:noFill/>
+          </a:ln>
+        </p:spPr>
+        <p:style>
+          <a:lnRef idx="2">
+            <a:schemeClr val="accent1">
+              <a:shade val="50000"/>
+            </a:schemeClr>
+          </a:lnRef>
+          <a:fillRef idx="1">
+            <a:schemeClr val="accent1"/>
+          </a:fillRef>
+          <a:effectRef idx="0">
+            <a:schemeClr val="accent1"/>
+          </a:effectRef>
+          <a:fontRef idx="minor">
+            <a:schemeClr val="lt1"/>
+          </a:fontRef>
+        </p:style>
+        <p:txBody>
+          <a:bodyPr rtlCol="0" anchor="ctr"/>
+          <a:lstStyle/>
+          <a:p>
+            <a:pPr algn="ctr"/>
+            <a:endParaRPr lang="en-US"/>
+          </a:p>
+        </p:txBody>
+      </p:sp>
+      <p:cxnSp>
+        <p:nvCxnSpPr>
+          <p:cNvPr id="55" name="Straight Connector 37">
+            <a:extLst>
+              <a:ext uri="{FF2B5EF4-FFF2-40B4-BE49-F238E27FC236}">
+                <a16:creationId xmlns:a16="http://schemas.microsoft.com/office/drawing/2014/main" id="{C545F118-1DF8-46A9-8A77-B3D9422CEA4A}"/>
+              </a:ext>
+              <a:ext uri="{C183D7F6-B498-43B3-948B-1728B52AA6E4}">
+                <adec:decorative xmlns:adec="http://schemas.microsoft.com/office/drawing/2017/decorative" val="1"/>
+              </a:ext>
+            </a:extLst>
+          </p:cNvPr>
+          <p:cNvCxnSpPr>
+            <a:cxnSpLocks noGrp="1" noRot="1" noChangeAspect="1" noMove="1" noResize="1" noEditPoints="1" noAdjustHandles="1" noChangeArrowheads="1" noChangeShapeType="1"/>
+          </p:cNvCxnSpPr>
+          <p:nvPr>
+            <p:extLst>
+              <p:ext uri="{386F3935-93C4-4BCD-93E2-E3B085C9AB24}">
+                <p16:designElem xmlns:p16="http://schemas.microsoft.com/office/powerpoint/2015/main" val="1"/>
+              </p:ext>
+            </p:extLst>
+          </p:nvPr>
+        </p:nvCxnSpPr>
+        <p:spPr>
+          <a:xfrm>
+            <a:off x="5198775" y="1847088"/>
+            <a:ext cx="5548039" cy="0"/>
+          </a:xfrm>
+          <a:prstGeom prst="line">
+            <a:avLst/>
+          </a:prstGeom>
+          <a:ln w="31750"/>
+        </p:spPr>
+        <p:style>
+          <a:lnRef idx="3">
+            <a:schemeClr val="accent1"/>
+          </a:lnRef>
+          <a:fillRef idx="0">
+            <a:schemeClr val="accent1"/>
+          </a:fillRef>
+          <a:effectRef idx="2">
+            <a:schemeClr val="accent1"/>
+          </a:effectRef>
+          <a:fontRef idx="minor">
+            <a:schemeClr val="tx1"/>
+          </a:fontRef>
+        </p:style>
+      </p:cxnSp>
+      <p:sp>
+        <p:nvSpPr>
+          <p:cNvPr id="2" name="Title 1">
+            <a:extLst>
+              <a:ext uri="{FF2B5EF4-FFF2-40B4-BE49-F238E27FC236}">
+                <a16:creationId xmlns:a16="http://schemas.microsoft.com/office/drawing/2014/main" id="{A4C859D7-9537-A944-ADA8-095DD8A8D991}"/>
+              </a:ext>
+            </a:extLst>
+          </p:cNvPr>
+          <p:cNvSpPr>
+            <a:spLocks noGrp="1"/>
+          </p:cNvSpPr>
+          <p:nvPr>
+            <p:ph type="title"/>
+          </p:nvPr>
+        </p:nvSpPr>
+        <p:spPr>
+          <a:xfrm>
+            <a:off x="5196457" y="804519"/>
+            <a:ext cx="5550357" cy="1049235"/>
+          </a:xfrm>
+        </p:spPr>
+        <p:txBody>
+          <a:bodyPr vert="horz" lIns="91440" tIns="45720" rIns="91440" bIns="45720" rtlCol="0" anchor="t">
+            <a:normAutofit/>
+          </a:bodyPr>
+          <a:lstStyle/>
+          <a:p>
+            <a:r>
+              <a:rPr lang="en-US"/>
+              <a:t>Results/fINDINGDS</a:t>
+            </a:r>
+          </a:p>
+        </p:txBody>
+      </p:sp>
+      <p:sp>
+        <p:nvSpPr>
+          <p:cNvPr id="56" name="Rectangle 39">
+            <a:extLst>
+              <a:ext uri="{FF2B5EF4-FFF2-40B4-BE49-F238E27FC236}">
+                <a16:creationId xmlns:a16="http://schemas.microsoft.com/office/drawing/2014/main" id="{7CAB7D27-148D-4082-B160-72FAD580D663}"/>
+              </a:ext>
+              <a:ext uri="{C183D7F6-B498-43B3-948B-1728B52AA6E4}">
+                <adec:decorative xmlns:adec="http://schemas.microsoft.com/office/drawing/2017/decorative" val="1"/>
+              </a:ext>
+            </a:extLst>
+          </p:cNvPr>
+          <p:cNvSpPr>
+            <a:spLocks noGrp="1" noRot="1" noChangeAspect="1" noMove="1" noResize="1" noEditPoints="1" noAdjustHandles="1" noChangeArrowheads="1" noChangeShapeType="1" noTextEdit="1"/>
+          </p:cNvSpPr>
+          <p:nvPr>
+            <p:extLst>
+              <p:ext uri="{386F3935-93C4-4BCD-93E2-E3B085C9AB24}">
+                <p16:designElem xmlns:p16="http://schemas.microsoft.com/office/powerpoint/2015/main" val="1"/>
+              </p:ext>
+            </p:extLst>
+          </p:nvPr>
+        </p:nvSpPr>
+        <p:spPr>
+          <a:xfrm>
+            <a:off x="0" y="2019476"/>
+            <a:ext cx="12192000" cy="4105941"/>
+          </a:xfrm>
+          <a:prstGeom prst="rect">
+            <a:avLst/>
+          </a:prstGeom>
+          <a:gradFill flip="none" rotWithShape="1">
+            <a:gsLst>
+              <a:gs pos="0">
+                <a:schemeClr val="bg2">
+                  <a:alpha val="0"/>
+                </a:schemeClr>
+              </a:gs>
+              <a:gs pos="100000">
+                <a:schemeClr val="bg2"/>
+              </a:gs>
+            </a:gsLst>
+            <a:lin ang="5400000" scaled="0"/>
+            <a:tileRect/>
+          </a:gradFill>
+          <a:ln>
+            <a:noFill/>
+          </a:ln>
+        </p:spPr>
+        <p:style>
+          <a:lnRef idx="2">
+            <a:schemeClr val="accent1">
+              <a:shade val="50000"/>
+            </a:schemeClr>
+          </a:lnRef>
+          <a:fillRef idx="1">
+            <a:schemeClr val="accent1"/>
+          </a:fillRef>
+          <a:effectRef idx="0">
+            <a:schemeClr val="accent1"/>
+          </a:effectRef>
+          <a:fontRef idx="minor">
+            <a:schemeClr val="lt1"/>
+          </a:fontRef>
+        </p:style>
+        <p:txBody>
+          <a:bodyPr rtlCol="0" anchor="ctr"/>
+          <a:lstStyle/>
+          <a:p>
+            <a:pPr lvl="0" algn="ctr"/>
+            <a:endParaRPr lang="en-US"/>
+          </a:p>
+        </p:txBody>
+      </p:sp>
+      <p:pic>
+        <p:nvPicPr>
+          <p:cNvPr id="8" name="Picture 7" descr="Icon&#10;&#10;Description automatically generated">
+            <a:extLst>
+              <a:ext uri="{FF2B5EF4-FFF2-40B4-BE49-F238E27FC236}">
+                <a16:creationId xmlns:a16="http://schemas.microsoft.com/office/drawing/2014/main" id="{5EC46A72-E9A5-6D44-AE85-9C4A0325CA2B}"/>
+              </a:ext>
+            </a:extLst>
+          </p:cNvPr>
+          <p:cNvPicPr>
+            <a:picLocks noChangeAspect="1"/>
+          </p:cNvPicPr>
+          <p:nvPr/>
+        </p:nvPicPr>
+        <p:blipFill>
+          <a:blip r:embed="rId3"/>
+          <a:stretch>
+            <a:fillRect/>
+          </a:stretch>
+        </p:blipFill>
+        <p:spPr>
+          <a:xfrm>
+            <a:off x="800796" y="481108"/>
+            <a:ext cx="3737722" cy="2491815"/>
+          </a:xfrm>
+          <a:prstGeom prst="rect">
+            <a:avLst/>
+          </a:prstGeom>
+        </p:spPr>
+      </p:pic>
+      <p:pic>
+        <p:nvPicPr>
+          <p:cNvPr id="6" name="Picture 5" descr="Chart, bar chart&#10;&#10;Description automatically generated">
+            <a:extLst>
+              <a:ext uri="{FF2B5EF4-FFF2-40B4-BE49-F238E27FC236}">
+                <a16:creationId xmlns:a16="http://schemas.microsoft.com/office/drawing/2014/main" id="{9AC906BB-49C9-2042-9059-614612EB6FCE}"/>
+              </a:ext>
+            </a:extLst>
+          </p:cNvPr>
+          <p:cNvPicPr>
+            <a:picLocks noChangeAspect="1"/>
+          </p:cNvPicPr>
+          <p:nvPr/>
+        </p:nvPicPr>
+        <p:blipFill>
+          <a:blip r:embed="rId4"/>
+          <a:stretch>
+            <a:fillRect/>
+          </a:stretch>
+        </p:blipFill>
+        <p:spPr>
+          <a:xfrm>
+            <a:off x="799999" y="3137516"/>
+            <a:ext cx="3739316" cy="2492878"/>
+          </a:xfrm>
+          <a:prstGeom prst="rect">
+            <a:avLst/>
+          </a:prstGeom>
+        </p:spPr>
+      </p:pic>
+      <p:sp>
+        <p:nvSpPr>
+          <p:cNvPr id="4" name="Content Placeholder 3">
+            <a:extLst>
+              <a:ext uri="{FF2B5EF4-FFF2-40B4-BE49-F238E27FC236}">
+                <a16:creationId xmlns:a16="http://schemas.microsoft.com/office/drawing/2014/main" id="{A18998B3-D182-BB4A-9E1E-3DA37648835C}"/>
+              </a:ext>
+            </a:extLst>
+          </p:cNvPr>
+          <p:cNvSpPr>
+            <a:spLocks noGrp="1"/>
+          </p:cNvSpPr>
+          <p:nvPr>
+            <p:ph sz="half" idx="1"/>
+          </p:nvPr>
+        </p:nvSpPr>
+        <p:spPr>
+          <a:xfrm>
+            <a:off x="5196457" y="2015732"/>
+            <a:ext cx="5550357" cy="3450613"/>
+          </a:xfrm>
+        </p:spPr>
+        <p:txBody>
+          <a:bodyPr vert="horz" lIns="91440" tIns="45720" rIns="91440" bIns="45720" rtlCol="0" anchor="t">
+            <a:normAutofit lnSpcReduction="10000"/>
+          </a:bodyPr>
+          <a:lstStyle/>
+          <a:p>
+            <a:pPr>
+              <a:lnSpc>
+                <a:spcPct val="110000"/>
+              </a:lnSpc>
+            </a:pPr>
+            <a:r>
+              <a:rPr lang="en-US" sz="1700" dirty="0"/>
+              <a:t>After analyzing the data, we then constructed bar graphs to highlight the percentage of mask compliance and then another to highlight the infection rate/percentage of reported COVID-19 cases.</a:t>
+            </a:r>
+          </a:p>
+          <a:p>
+            <a:pPr>
+              <a:lnSpc>
+                <a:spcPct val="110000"/>
+              </a:lnSpc>
+            </a:pPr>
+            <a:endParaRPr lang="en-US" sz="1700" dirty="0"/>
+          </a:p>
+          <a:p>
+            <a:pPr>
+              <a:lnSpc>
+                <a:spcPct val="110000"/>
+              </a:lnSpc>
+            </a:pPr>
+            <a:r>
+              <a:rPr lang="en-US" sz="1700" dirty="0"/>
+              <a:t>We found that in regions that had at least 80% of mask compliance, the infection rate never reached past 2%.</a:t>
+            </a:r>
+          </a:p>
+          <a:p>
+            <a:pPr>
+              <a:lnSpc>
+                <a:spcPct val="110000"/>
+              </a:lnSpc>
+            </a:pPr>
+            <a:endParaRPr lang="en-US" sz="1700" dirty="0"/>
+          </a:p>
+          <a:p>
+            <a:pPr>
+              <a:lnSpc>
+                <a:spcPct val="110000"/>
+              </a:lnSpc>
+            </a:pPr>
+            <a:r>
+              <a:rPr lang="en-US" sz="1700" dirty="0"/>
+              <a:t>We utilized the bar graphs because we believed it would help make a clear distinction in regions and also answer the question we asked earlier</a:t>
+            </a:r>
+          </a:p>
+        </p:txBody>
+      </p:sp>
+      <p:pic>
+        <p:nvPicPr>
+          <p:cNvPr id="57" name="Picture 41">
+            <a:extLst>
+              <a:ext uri="{FF2B5EF4-FFF2-40B4-BE49-F238E27FC236}">
+                <a16:creationId xmlns:a16="http://schemas.microsoft.com/office/drawing/2014/main" id="{CD88FC76-F691-462A-BCF9-0BA4F5DE6D71}"/>
+              </a:ext>
+              <a:ext uri="{C183D7F6-B498-43B3-948B-1728B52AA6E4}">
+                <adec:decorative xmlns:adec="http://schemas.microsoft.com/office/drawing/2017/decorative" val="1"/>
+              </a:ext>
+            </a:extLst>
+          </p:cNvPr>
+          <p:cNvPicPr>
+            <a:picLocks noGrp="1" noRot="1" noChangeAspect="1" noMove="1" noResize="1" noEditPoints="1" noAdjustHandles="1" noChangeArrowheads="1" noChangeShapeType="1" noCrop="1"/>
+          </p:cNvPicPr>
+          <p:nvPr>
+            <p:extLst>
+              <p:ext uri="{386F3935-93C4-4BCD-93E2-E3B085C9AB24}">
+                <p16:designElem xmlns:p16="http://schemas.microsoft.com/office/powerpoint/2015/main" val="1"/>
+              </p:ext>
+            </p:extLst>
+          </p:nvPr>
+        </p:nvPicPr>
+        <p:blipFill rotWithShape="1">
+          <a:blip r:embed="rId2">
+            <a:extLst>
+              <a:ext uri="{28A0092B-C50C-407E-A947-70E740481C1C}">
+                <a14:useLocalDpi xmlns:a14="http://schemas.microsoft.com/office/drawing/2010/main" val="0"/>
+              </a:ext>
+            </a:extLst>
+          </a:blip>
+          <a:srcRect t="1538" b="-1538"/>
+          <a:stretch/>
+        </p:blipFill>
+        <p:spPr bwMode="black">
+          <a:xfrm>
+            <a:off x="0" y="6126480"/>
+            <a:ext cx="12192000" cy="742950"/>
+          </a:xfrm>
+          <a:prstGeom prst="rect">
+            <a:avLst/>
+          </a:prstGeom>
+        </p:spPr>
+      </p:pic>
+      <p:cxnSp>
+        <p:nvCxnSpPr>
+          <p:cNvPr id="58" name="Straight Connector 43">
+            <a:extLst>
+              <a:ext uri="{FF2B5EF4-FFF2-40B4-BE49-F238E27FC236}">
+                <a16:creationId xmlns:a16="http://schemas.microsoft.com/office/drawing/2014/main" id="{33204A7E-B7E9-42D0-9DC4-B82FDC8C4BCC}"/>
+              </a:ext>
+              <a:ext uri="{C183D7F6-B498-43B3-948B-1728B52AA6E4}">
+                <adec:decorative xmlns:adec="http://schemas.microsoft.com/office/drawing/2017/decorative" val="1"/>
+              </a:ext>
+            </a:extLst>
+          </p:cNvPr>
+          <p:cNvCxnSpPr>
+            <a:cxnSpLocks noGrp="1" noRot="1" noChangeAspect="1" noMove="1" noResize="1" noEditPoints="1" noAdjustHandles="1" noChangeArrowheads="1" noChangeShapeType="1"/>
+          </p:cNvCxnSpPr>
+          <p:nvPr>
+            <p:extLst>
+              <p:ext uri="{386F3935-93C4-4BCD-93E2-E3B085C9AB24}">
+                <p16:designElem xmlns:p16="http://schemas.microsoft.com/office/powerpoint/2015/main" val="1"/>
+              </p:ext>
+            </p:extLst>
+          </p:nvPr>
+        </p:nvCxnSpPr>
+        <p:spPr>
+          <a:xfrm>
+            <a:off x="0" y="6128413"/>
+            <a:ext cx="12192000" cy="0"/>
+          </a:xfrm>
+          <a:prstGeom prst="line">
+            <a:avLst/>
+          </a:prstGeom>
+          <a:ln w="12700">
+            <a:solidFill>
+              <a:srgbClr val="000001">
+                <a:alpha val="20000"/>
+              </a:srgbClr>
+            </a:solidFill>
+          </a:ln>
+        </p:spPr>
+        <p:style>
+          <a:lnRef idx="1">
+            <a:schemeClr val="accent1"/>
+          </a:lnRef>
+          <a:fillRef idx="0">
+            <a:schemeClr val="accent1"/>
+          </a:fillRef>
+          <a:effectRef idx="0">
+            <a:schemeClr val="accent1"/>
+          </a:effectRef>
+          <a:fontRef idx="minor">
+            <a:schemeClr val="tx1"/>
+          </a:fontRef>
+        </p:style>
+      </p:cxnSp>
+    </p:spTree>
+    <p:extLst>
+      <p:ext uri="{BB962C8B-B14F-4D97-AF65-F5344CB8AC3E}">
+        <p14:creationId xmlns:p14="http://schemas.microsoft.com/office/powerpoint/2010/main" val="370611717"/>
+      </p:ext>
+    </p:extLst>
+  </p:cSld>
+  <p:clrMapOvr>
+    <a:masterClrMapping/>
+  </p:clrMapOvr>
+</p:sld>
+</file>
+
+<file path=ppt/slides/slide6.xml><?xml version="1.0" encoding="utf-8"?>
+<p:sld xmlns:a="http://schemas.openxmlformats.org/drawingml/2006/main" xmlns:r="http://schemas.openxmlformats.org/officeDocument/2006/relationships" xmlns:p="http://schemas.openxmlformats.org/presentationml/2006/main">
+  <p:cSld>
+    <p:spTree>
+      <p:nvGrpSpPr>
+        <p:cNvPr id="1" name=""/>
+        <p:cNvGrpSpPr/>
+        <p:nvPr/>
+      </p:nvGrpSpPr>
+      <p:grpSpPr>
+        <a:xfrm>
+          <a:off x="0" y="0"/>
+          <a:ext cx="0" cy="0"/>
+          <a:chOff x="0" y="0"/>
+          <a:chExt cx="0" cy="0"/>
+        </a:xfrm>
+      </p:grpSpPr>
+      <p:sp>
+        <p:nvSpPr>
+          <p:cNvPr id="2" name="Title 1">
+            <a:extLst>
+              <a:ext uri="{FF2B5EF4-FFF2-40B4-BE49-F238E27FC236}">
+                <a16:creationId xmlns:a16="http://schemas.microsoft.com/office/drawing/2014/main" id="{A4C859D7-9537-A944-ADA8-095DD8A8D991}"/>
+              </a:ext>
+            </a:extLst>
+          </p:cNvPr>
+          <p:cNvSpPr>
+            <a:spLocks noGrp="1"/>
+          </p:cNvSpPr>
+          <p:nvPr>
+            <p:ph type="title"/>
+          </p:nvPr>
+        </p:nvSpPr>
+        <p:spPr/>
+        <p:txBody>
+          <a:bodyPr/>
+          <a:lstStyle/>
+          <a:p>
+            <a:pPr algn="ctr"/>
+            <a:r>
+              <a:rPr lang="en-US" dirty="0"/>
+              <a:t>outlook</a:t>
+            </a:r>
+          </a:p>
+        </p:txBody>
+      </p:sp>
+      <p:sp>
+        <p:nvSpPr>
+          <p:cNvPr id="4" name="Content Placeholder 3">
+            <a:extLst>
+              <a:ext uri="{FF2B5EF4-FFF2-40B4-BE49-F238E27FC236}">
+                <a16:creationId xmlns:a16="http://schemas.microsoft.com/office/drawing/2014/main" id="{A18998B3-D182-BB4A-9E1E-3DA37648835C}"/>
+              </a:ext>
+            </a:extLst>
+          </p:cNvPr>
+          <p:cNvSpPr>
+            <a:spLocks noGrp="1"/>
+          </p:cNvSpPr>
+          <p:nvPr>
+            <p:ph idx="1"/>
+          </p:nvPr>
+        </p:nvSpPr>
+        <p:spPr/>
+        <p:txBody>
+          <a:bodyPr>
+            <a:normAutofit/>
+          </a:bodyPr>
+          <a:lstStyle/>
+          <a:p>
+            <a:r>
+              <a:rPr lang="en-US" dirty="0"/>
+              <a:t>To concur, we did find that a high percentage of COVID-19 restriction compliance correlated to low infection rates</a:t>
+            </a:r>
+          </a:p>
+          <a:p>
+            <a:r>
+              <a:rPr lang="en-US" dirty="0"/>
+              <a:t>We also found that the recommendations scientists have given to slow the spread of COVID-19 were verified and they should be continued to be followed</a:t>
+            </a:r>
+          </a:p>
+          <a:p>
+            <a:r>
+              <a:rPr lang="en-US" dirty="0"/>
+              <a:t>We wanted to make note that the data should be observed objectively.</a:t>
+            </a:r>
+          </a:p>
+          <a:p>
+            <a:pPr lvl="1"/>
+            <a:r>
+              <a:rPr lang="en-US" dirty="0"/>
+              <a:t>This is because things such as new strains, environments, as well as current COVID-19 cases were not measurable data</a:t>
+            </a:r>
+          </a:p>
+          <a:p>
+            <a:pPr lvl="1"/>
+            <a:r>
+              <a:rPr lang="en-US" dirty="0"/>
+              <a:t>Also, because those are external factors that can also influence </a:t>
+            </a:r>
+            <a:r>
+              <a:rPr lang="en-US"/>
+              <a:t>the infection rate</a:t>
+            </a:r>
+          </a:p>
+        </p:txBody>
+      </p:sp>
+    </p:spTree>
+    <p:extLst>
+      <p:ext uri="{BB962C8B-B14F-4D97-AF65-F5344CB8AC3E}">
+        <p14:creationId xmlns:p14="http://schemas.microsoft.com/office/powerpoint/2010/main" val="1074355000"/>
+      </p:ext>
+    </p:extLst>
+  </p:cSld>
+  <p:clrMapOvr>
+    <a:masterClrMapping/>
+  </p:clrMapOvr>
+</p:sld>
+</file>
+
 <file path=ppt/theme/theme1.xml><?xml version="1.0" encoding="utf-8"?>
-<a:theme xmlns:a="http://schemas.openxmlformats.org/drawingml/2006/main" name="Office Theme">
+<a:theme xmlns:a="http://schemas.openxmlformats.org/drawingml/2006/main" name="Gallery">
   <a:themeElements>
-    <a:clrScheme name="Office">
+    <a:clrScheme name="Gallery">
       <a:dk1>
         <a:sysClr val="windowText" lastClr="000000"/>
       </a:dk1>
@@ -3399,39 +5360,39 @@
         <a:sysClr val="window" lastClr="FFFFFF"/>
       </a:lt1>
       <a:dk2>
-        <a:srgbClr val="44546A"/>
+        <a:srgbClr val="454545"/>
       </a:dk2>
       <a:lt2>
-        <a:srgbClr val="E7E6E6"/>
+        <a:srgbClr val="DFDBD5"/>
       </a:lt2>
       <a:accent1>
-        <a:srgbClr val="4472C4"/>
+        <a:srgbClr val="B71E42"/>
       </a:accent1>
       <a:accent2>
-        <a:srgbClr val="ED7D31"/>
+        <a:srgbClr val="DE478E"/>
       </a:accent2>
       <a:accent3>
-        <a:srgbClr val="A5A5A5"/>
+        <a:srgbClr val="BC72F0"/>
       </a:accent3>
       <a:accent4>
-        <a:srgbClr val="FFC000"/>
+        <a:srgbClr val="795FAF"/>
       </a:accent4>
       <a:accent5>
-        <a:srgbClr val="5B9BD5"/>
+        <a:srgbClr val="586EA6"/>
       </a:accent5>
       <a:accent6>
-        <a:srgbClr val="70AD47"/>
+        <a:srgbClr val="6892A0"/>
       </a:accent6>
       <a:hlink>
-        <a:srgbClr val="0563C1"/>
+        <a:srgbClr val="FA2B5C"/>
       </a:hlink>
       <a:folHlink>
-        <a:srgbClr val="954F72"/>
+        <a:srgbClr val="BC658E"/>
       </a:folHlink>
     </a:clrScheme>
-    <a:fontScheme name="Office">
+    <a:fontScheme name="Gallery">
       <a:majorFont>
-        <a:latin typeface="Calibri Light" panose="020F0302020204030204"/>
+        <a:latin typeface="Gill Sans MT" panose="020B0502020104020203"/>
         <a:ea typeface=""/>
         <a:cs typeface=""/>
         <a:font script="Jpan" typeface="游ゴシック Light"/>
@@ -3464,26 +5425,9 @@
         <a:font script="Viet" typeface="Times New Roman"/>
         <a:font script="Uigh" typeface="Microsoft Uighur"/>
         <a:font script="Geor" typeface="Sylfaen"/>
-        <a:font script="Armn" typeface="Arial"/>
-        <a:font script="Bugi" typeface="Leelawadee UI"/>
-        <a:font script="Bopo" typeface="Microsoft JhengHei"/>
-        <a:font script="Java" typeface="Javanese Text"/>
-        <a:font script="Lisu" typeface="Segoe UI"/>
-        <a:font script="Mymr" typeface="Myanmar Text"/>
-        <a:font script="Nkoo" typeface="Ebrima"/>
-        <a:font script="Olck" typeface="Nirmala UI"/>
-        <a:font script="Osma" typeface="Ebrima"/>
-        <a:font script="Phag" typeface="Phagspa"/>
-        <a:font script="Syrn" typeface="Estrangelo Edessa"/>
-        <a:font script="Syrj" typeface="Estrangelo Edessa"/>
-        <a:font script="Syre" typeface="Estrangelo Edessa"/>
-        <a:font script="Sora" typeface="Nirmala UI"/>
-        <a:font script="Tale" typeface="Microsoft Tai Le"/>
-        <a:font script="Talu" typeface="Microsoft New Tai Lue"/>
-        <a:font script="Tfng" typeface="Ebrima"/>
       </a:majorFont>
       <a:minorFont>
-        <a:latin typeface="Calibri" panose="020F0502020204030204"/>
+        <a:latin typeface="Gill Sans MT" panose="020B0502020104020203"/>
         <a:ea typeface=""/>
         <a:cs typeface=""/>
         <a:font script="Jpan" typeface="游ゴシック"/>
@@ -3516,26 +5460,9 @@
         <a:font script="Viet" typeface="Arial"/>
         <a:font script="Uigh" typeface="Microsoft Uighur"/>
         <a:font script="Geor" typeface="Sylfaen"/>
-        <a:font script="Armn" typeface="Arial"/>
-        <a:font script="Bugi" typeface="Leelawadee UI"/>
-        <a:font script="Bopo" typeface="Microsoft JhengHei"/>
-        <a:font script="Java" typeface="Javanese Text"/>
-        <a:font script="Lisu" typeface="Segoe UI"/>
-        <a:font script="Mymr" typeface="Myanmar Text"/>
-        <a:font script="Nkoo" typeface="Ebrima"/>
-        <a:font script="Olck" typeface="Nirmala UI"/>
-        <a:font script="Osma" typeface="Ebrima"/>
-        <a:font script="Phag" typeface="Phagspa"/>
-        <a:font script="Syrn" typeface="Estrangelo Edessa"/>
-        <a:font script="Syrj" typeface="Estrangelo Edessa"/>
-        <a:font script="Syre" typeface="Estrangelo Edessa"/>
-        <a:font script="Sora" typeface="Nirmala UI"/>
-        <a:font script="Tale" typeface="Microsoft Tai Le"/>
-        <a:font script="Talu" typeface="Microsoft New Tai Lue"/>
-        <a:font script="Tfng" typeface="Ebrima"/>
       </a:minorFont>
     </a:fontScheme>
-    <a:fmtScheme name="Office">
+    <a:fmtScheme name="Gallery">
       <a:fillStyleLst>
         <a:solidFill>
           <a:schemeClr val="phClr"/>
@@ -3544,23 +5471,18 @@
           <a:gsLst>
             <a:gs pos="0">
               <a:schemeClr val="phClr">
+                <a:tint val="54000"/>
+                <a:alpha val="100000"/>
+                <a:satMod val="105000"/>
                 <a:lumMod val="110000"/>
-                <a:satMod val="105000"/>
-                <a:tint val="67000"/>
-              </a:schemeClr>
-            </a:gs>
-            <a:gs pos="50000">
-              <a:schemeClr val="phClr">
-                <a:lumMod val="105000"/>
-                <a:satMod val="103000"/>
-                <a:tint val="73000"/>
               </a:schemeClr>
             </a:gs>
             <a:gs pos="100000">
               <a:schemeClr val="phClr">
-                <a:lumMod val="105000"/>
+                <a:tint val="78000"/>
+                <a:alpha val="92000"/>
                 <a:satMod val="109000"/>
-                <a:tint val="81000"/>
+                <a:lumMod val="100000"/>
               </a:schemeClr>
             </a:gs>
           </a:gsLst>
@@ -3570,23 +5492,23 @@
           <a:gsLst>
             <a:gs pos="0">
               <a:schemeClr val="phClr">
-                <a:satMod val="103000"/>
-                <a:lumMod val="102000"/>
-                <a:tint val="94000"/>
+                <a:tint val="98000"/>
+                <a:satMod val="110000"/>
+                <a:lumMod val="104000"/>
               </a:schemeClr>
             </a:gs>
-            <a:gs pos="50000">
+            <a:gs pos="69000">
               <a:schemeClr val="phClr">
-                <a:satMod val="110000"/>
-                <a:lumMod val="100000"/>
-                <a:shade val="100000"/>
+                <a:shade val="88000"/>
+                <a:satMod val="130000"/>
+                <a:lumMod val="92000"/>
               </a:schemeClr>
             </a:gs>
             <a:gs pos="100000">
               <a:schemeClr val="phClr">
-                <a:lumMod val="99000"/>
-                <a:satMod val="120000"/>
                 <a:shade val="78000"/>
+                <a:satMod val="130000"/>
+                <a:lumMod val="92000"/>
               </a:schemeClr>
             </a:gs>
           </a:gsLst>
@@ -3594,26 +5516,23 @@
         </a:gradFill>
       </a:fillStyleLst>
       <a:lnStyleLst>
-        <a:ln w="6350" cap="flat" cmpd="sng" algn="ctr">
+        <a:ln w="9525" cap="flat" cmpd="sng" algn="ctr">
           <a:solidFill>
             <a:schemeClr val="phClr"/>
           </a:solidFill>
           <a:prstDash val="solid"/>
-          <a:miter lim="800000"/>
         </a:ln>
-        <a:ln w="12700" cap="flat" cmpd="sng" algn="ctr">
+        <a:ln w="15875" cap="flat" cmpd="sng" algn="ctr">
           <a:solidFill>
             <a:schemeClr val="phClr"/>
           </a:solidFill>
           <a:prstDash val="solid"/>
-          <a:miter lim="800000"/>
         </a:ln>
-        <a:ln w="19050" cap="flat" cmpd="sng" algn="ctr">
+        <a:ln w="22225" cap="flat" cmpd="sng" algn="ctr">
           <a:solidFill>
             <a:schemeClr val="phClr"/>
           </a:solidFill>
           <a:prstDash val="solid"/>
-          <a:miter lim="800000"/>
         </a:ln>
       </a:lnStyleLst>
       <a:effectStyleLst>
@@ -3625,12 +5544,23 @@
         </a:effectStyle>
         <a:effectStyle>
           <a:effectLst>
-            <a:outerShdw blurRad="57150" dist="19050" dir="5400000" algn="ctr" rotWithShape="0">
+            <a:outerShdw blurRad="50800" dist="50800" dir="5400000" sx="96000" sy="96000" rotWithShape="0">
               <a:srgbClr val="000000">
-                <a:alpha val="63000"/>
+                <a:alpha val="48000"/>
               </a:srgbClr>
             </a:outerShdw>
           </a:effectLst>
+          <a:scene3d>
+            <a:camera prst="orthographicFront">
+              <a:rot lat="0" lon="0" rev="0"/>
+            </a:camera>
+            <a:lightRig rig="balanced" dir="t">
+              <a:rot lat="0" lon="0" rev="1080000"/>
+            </a:lightRig>
+          </a:scene3d>
+          <a:sp3d>
+            <a:bevelT w="38100" h="12700" prst="softRound"/>
+          </a:sp3d>
         </a:effectStyle>
       </a:effectStyleLst>
       <a:bgFillStyleLst>
@@ -3638,37 +5568,26 @@
           <a:schemeClr val="phClr"/>
         </a:solidFill>
         <a:solidFill>
-          <a:schemeClr val="phClr">
-            <a:tint val="95000"/>
-            <a:satMod val="170000"/>
-          </a:schemeClr>
+          <a:schemeClr val="phClr"/>
         </a:solidFill>
         <a:gradFill rotWithShape="1">
           <a:gsLst>
             <a:gs pos="0">
               <a:schemeClr val="phClr">
-                <a:tint val="93000"/>
-                <a:satMod val="150000"/>
-                <a:shade val="98000"/>
-                <a:lumMod val="102000"/>
-              </a:schemeClr>
-            </a:gs>
-            <a:gs pos="50000">
-              <a:schemeClr val="phClr">
-                <a:tint val="98000"/>
-                <a:satMod val="130000"/>
-                <a:shade val="90000"/>
-                <a:lumMod val="103000"/>
+                <a:tint val="94000"/>
+                <a:satMod val="80000"/>
+                <a:lumMod val="106000"/>
               </a:schemeClr>
             </a:gs>
             <a:gs pos="100000">
               <a:schemeClr val="phClr">
-                <a:shade val="63000"/>
-                <a:satMod val="120000"/>
+                <a:shade val="80000"/>
               </a:schemeClr>
             </a:gs>
           </a:gsLst>
-          <a:lin ang="5400000" scaled="0"/>
+          <a:path path="circle">
+            <a:fillToRect l="50000" t="50000" r="50000" b="50000"/>
+          </a:path>
         </a:gradFill>
       </a:bgFillStyleLst>
     </a:fmtScheme>
@@ -3677,7 +5596,7 @@
   <a:extraClrSchemeLst/>
   <a:extLst>
     <a:ext uri="{05A4C25C-085E-4340-85A3-A5531E510DB2}">
-      <thm15:themeFamily xmlns:thm15="http://schemas.microsoft.com/office/thememl/2012/main" name="Office Theme" id="{62F939B6-93AF-4DB8-9C6B-D6C7DFDC589F}" vid="{4A3C46E8-61CC-4603-A589-7422A47A8E4A}"/>
+      <thm15:themeFamily xmlns:thm15="http://schemas.microsoft.com/office/thememl/2012/main" name="Gallery" id="{BBFCD31E-59A1-489D-B089-A3EAD7CAE12E}" vid="{F5E91637-A7B6-4E27-B710-77DA7014EE1E}"/>
     </a:ext>
   </a:extLst>
 </a:theme>
